--- a/Presentation1.pptx
+++ b/Presentation1.pptx
@@ -5,7 +5,7 @@
     <p:sldMasterId id="2147483648" r:id="rId1"/>
   </p:sldMasterIdLst>
   <p:notesMasterIdLst>
-    <p:notesMasterId r:id="rId10"/>
+    <p:notesMasterId r:id="rId11"/>
   </p:notesMasterIdLst>
   <p:sldIdLst>
     <p:sldId id="256" r:id="rId2"/>
@@ -15,7 +15,8 @@
     <p:sldId id="259" r:id="rId6"/>
     <p:sldId id="261" r:id="rId7"/>
     <p:sldId id="262" r:id="rId8"/>
-    <p:sldId id="263" r:id="rId9"/>
+    <p:sldId id="264" r:id="rId9"/>
+    <p:sldId id="263" r:id="rId10"/>
   </p:sldIdLst>
   <p:sldSz cx="9144000" cy="6858000" type="screen4x3"/>
   <p:notesSz cx="6858000" cy="9144000"/>
@@ -563,7 +564,6 @@
               <a:rPr lang="en-US" baseline="0" dirty="0" smtClean="0"/>
               <a:t> of weight and height</a:t>
             </a:r>
-            <a:endParaRPr lang="en-US" baseline="0" dirty="0" smtClean="0"/>
           </a:p>
           <a:p>
             <a:pPr marL="171450" indent="-171450">
@@ -847,11 +847,19 @@
           <a:p>
             <a:r>
               <a:rPr lang="en-US" dirty="0" smtClean="0"/>
-              <a:t>Very slight shift towards obesity between</a:t>
+              <a:t>Very slight shift </a:t>
+            </a:r>
+            <a:r>
+              <a:rPr lang="en-US" dirty="0" smtClean="0"/>
+              <a:t>increase in obesity from</a:t>
             </a:r>
             <a:r>
               <a:rPr lang="en-US" baseline="0" dirty="0" smtClean="0"/>
-              <a:t> 2011 to 2016 </a:t>
+              <a:t> </a:t>
+            </a:r>
+            <a:r>
+              <a:rPr lang="en-US" baseline="0" dirty="0" smtClean="0"/>
+              <a:t>2011 to 2016 </a:t>
             </a:r>
             <a:r>
               <a:rPr lang="en-US" dirty="0" smtClean="0"/>
@@ -861,12 +869,25 @@
           <a:p>
             <a:r>
               <a:rPr lang="en-US" dirty="0" smtClean="0"/>
-              <a:t>Min value for 2011 is 55.8 and in</a:t>
+              <a:t>Min value for 2011 is </a:t>
+            </a:r>
+            <a:r>
+              <a:rPr lang="en-US" dirty="0" smtClean="0"/>
+              <a:t>55.85 </a:t>
+            </a:r>
+            <a:r>
+              <a:rPr lang="en-US" dirty="0" smtClean="0"/>
+              <a:t>and in</a:t>
             </a:r>
             <a:r>
               <a:rPr lang="en-US" baseline="0" dirty="0" smtClean="0"/>
-              <a:t> 2016 it’s 57.9</a:t>
-            </a:r>
+              <a:t> 2016 it’s </a:t>
+            </a:r>
+            <a:r>
+              <a:rPr lang="en-US" baseline="0" dirty="0" smtClean="0"/>
+              <a:t>57.95</a:t>
+            </a:r>
+            <a:endParaRPr lang="en-US" baseline="0" dirty="0" smtClean="0"/>
           </a:p>
           <a:p>
             <a:pPr marL="0" marR="0" indent="0" algn="l" defTabSz="457200" rtl="0" eaLnBrk="1" fontAlgn="auto" latinLnBrk="0" hangingPunct="1">
@@ -888,11 +909,31 @@
             </a:pPr>
             <a:r>
               <a:rPr lang="en-US" dirty="0" smtClean="0"/>
-              <a:t>Max value for 2011 is 69.1 and in</a:t>
+              <a:t>Max value for 2011 </a:t>
+            </a:r>
+            <a:r>
+              <a:rPr lang="en-US" smtClean="0"/>
+              <a:t>is </a:t>
+            </a:r>
+            <a:r>
+              <a:rPr lang="en-US" smtClean="0"/>
+              <a:t>69.1% </a:t>
+            </a:r>
+            <a:r>
+              <a:rPr lang="en-US" dirty="0" smtClean="0"/>
+              <a:t>and in</a:t>
             </a:r>
             <a:r>
               <a:rPr lang="en-US" baseline="0" dirty="0" smtClean="0"/>
-              <a:t> 2016 it’s 71.6</a:t>
+              <a:t> 2016 </a:t>
+            </a:r>
+            <a:r>
+              <a:rPr lang="en-US" baseline="0" smtClean="0"/>
+              <a:t>it’s </a:t>
+            </a:r>
+            <a:r>
+              <a:rPr lang="en-US" baseline="0" smtClean="0"/>
+              <a:t>71.6%</a:t>
             </a:r>
             <a:endParaRPr lang="en-US" dirty="0" smtClean="0"/>
           </a:p>
@@ -1252,18 +1293,6 @@
           <a:bodyPr/>
           <a:lstStyle/>
           <a:p>
-            <a:r>
-              <a:rPr lang="en-US" dirty="0" smtClean="0"/>
-              <a:t>TBD </a:t>
-            </a:r>
-            <a:r>
-              <a:rPr lang="mr-IN" dirty="0" smtClean="0"/>
-              <a:t>–</a:t>
-            </a:r>
-            <a:r>
-              <a:rPr lang="en-US" dirty="0" smtClean="0"/>
-              <a:t> Need a finalized regression analysis</a:t>
-            </a:r>
             <a:endParaRPr lang="en-US" dirty="0"/>
           </a:p>
         </p:txBody>
@@ -1773,7 +1802,7 @@
             <a:fld id="{7D0065BE-0657-4A47-90AD-C21C55E16B19}" type="datetime4">
               <a:rPr lang="en-US" smtClean="0"/>
               <a:pPr/>
-              <a:t>November 2, 2018</a:t>
+              <a:t>November 3, 2018</a:t>
             </a:fld>
             <a:endParaRPr lang="en-US"/>
           </a:p>
@@ -1940,7 +1969,7 @@
             <a:fld id="{A16C3AA4-67BE-44F7-809A-3582401494AF}" type="datetime4">
               <a:rPr lang="en-US" smtClean="0"/>
               <a:pPr/>
-              <a:t>November 2, 2018</a:t>
+              <a:t>November 3, 2018</a:t>
             </a:fld>
             <a:endParaRPr lang="en-US"/>
           </a:p>
@@ -2117,7 +2146,7 @@
             <a:fld id="{25172EEB-1769-4776-AD69-E7C1260563EB}" type="datetime4">
               <a:rPr lang="en-US" smtClean="0"/>
               <a:pPr/>
-              <a:t>November 2, 2018</a:t>
+              <a:t>November 3, 2018</a:t>
             </a:fld>
             <a:endParaRPr lang="en-US"/>
           </a:p>
@@ -2284,7 +2313,7 @@
             <a:fld id="{D47BB8AF-C16A-4836-A92D-61834B5F0BA5}" type="datetime4">
               <a:rPr lang="en-US" smtClean="0"/>
               <a:pPr/>
-              <a:t>November 2, 2018</a:t>
+              <a:t>November 3, 2018</a:t>
             </a:fld>
             <a:endParaRPr lang="en-US"/>
           </a:p>
@@ -2839,7 +2868,7 @@
             <a:fld id="{647D2193-4505-4A75-99BB-880C6989A757}" type="datetime4">
               <a:rPr lang="en-US" smtClean="0"/>
               <a:pPr/>
-              <a:t>November 2, 2018</a:t>
+              <a:t>November 3, 2018</a:t>
             </a:fld>
             <a:endParaRPr lang="en-US"/>
           </a:p>
@@ -3101,7 +3130,7 @@
             <a:fld id="{113A18F4-33C3-445B-924C-31108C51719C}" type="datetime4">
               <a:rPr lang="en-US" smtClean="0"/>
               <a:pPr/>
-              <a:t>November 2, 2018</a:t>
+              <a:t>November 3, 2018</a:t>
             </a:fld>
             <a:endParaRPr lang="en-US"/>
           </a:p>
@@ -3591,7 +3620,7 @@
             <a:fld id="{3AF7543A-E259-478F-9E0D-57BA40E442B7}" type="datetime4">
               <a:rPr lang="en-US" smtClean="0"/>
               <a:pPr/>
-              <a:t>November 2, 2018</a:t>
+              <a:t>November 3, 2018</a:t>
             </a:fld>
             <a:endParaRPr lang="en-US"/>
           </a:p>
@@ -3706,7 +3735,7 @@
             <a:fld id="{1EFB012D-77A1-44B0-BB26-329BA1EE55C9}" type="datetime4">
               <a:rPr lang="en-US" smtClean="0"/>
               <a:pPr/>
-              <a:t>November 2, 2018</a:t>
+              <a:t>November 3, 2018</a:t>
             </a:fld>
             <a:endParaRPr lang="en-US"/>
           </a:p>
@@ -3798,7 +3827,7 @@
             <a:fld id="{94B7499E-3031-413E-B01E-B94970708CAA}" type="datetime4">
               <a:rPr lang="en-US" smtClean="0"/>
               <a:pPr/>
-              <a:t>November 2, 2018</a:t>
+              <a:t>November 3, 2018</a:t>
             </a:fld>
             <a:endParaRPr lang="en-US"/>
           </a:p>
@@ -4230,7 +4259,7 @@
             <a:fld id="{DC7EAB0C-2220-4D0E-A0DD-DB7FA0F742F4}" type="datetime4">
               <a:rPr lang="en-US" smtClean="0"/>
               <a:pPr/>
-              <a:t>November 2, 2018</a:t>
+              <a:t>November 3, 2018</a:t>
             </a:fld>
             <a:endParaRPr lang="en-US"/>
           </a:p>
@@ -4765,7 +4794,7 @@
             <a:fld id="{E3416D63-31BF-4B94-B6C5-E20B2C63F515}" type="datetime4">
               <a:rPr lang="en-US" smtClean="0"/>
               <a:pPr/>
-              <a:t>November 2, 2018</a:t>
+              <a:t>November 3, 2018</a:t>
             </a:fld>
             <a:endParaRPr lang="en-US"/>
           </a:p>
@@ -5607,7 +5636,7 @@
             <a:fld id="{62B1B13E-D5AF-485E-81A1-82A140076526}" type="datetime4">
               <a:rPr lang="en-US" smtClean="0"/>
               <a:pPr/>
-              <a:t>November 2, 2018</a:t>
+              <a:t>November 3, 2018</a:t>
             </a:fld>
             <a:endParaRPr lang="en-US" dirty="0"/>
           </a:p>
@@ -6268,6 +6297,78 @@
           </a:prstGeom>
         </p:spPr>
       </p:pic>
+      <p:pic>
+        <p:nvPicPr>
+          <p:cNvPr id="3" name="Picture 2"/>
+          <p:cNvPicPr>
+            <a:picLocks noChangeAspect="1"/>
+          </p:cNvPicPr>
+          <p:nvPr/>
+        </p:nvPicPr>
+        <p:blipFill>
+          <a:blip r:embed="rId5"/>
+          <a:stretch>
+            <a:fillRect/>
+          </a:stretch>
+        </p:blipFill>
+        <p:spPr>
+          <a:xfrm>
+            <a:off x="4114800" y="3086100"/>
+            <a:ext cx="914400" cy="685800"/>
+          </a:xfrm>
+          <a:prstGeom prst="rect">
+            <a:avLst/>
+          </a:prstGeom>
+        </p:spPr>
+      </p:pic>
+      <p:pic>
+        <p:nvPicPr>
+          <p:cNvPr id="6" name="Picture 5"/>
+          <p:cNvPicPr>
+            <a:picLocks noChangeAspect="1"/>
+          </p:cNvPicPr>
+          <p:nvPr/>
+        </p:nvPicPr>
+        <p:blipFill>
+          <a:blip r:embed="rId5"/>
+          <a:stretch>
+            <a:fillRect/>
+          </a:stretch>
+        </p:blipFill>
+        <p:spPr>
+          <a:xfrm>
+            <a:off x="4114800" y="3086100"/>
+            <a:ext cx="914400" cy="685800"/>
+          </a:xfrm>
+          <a:prstGeom prst="rect">
+            <a:avLst/>
+          </a:prstGeom>
+        </p:spPr>
+      </p:pic>
+      <p:pic>
+        <p:nvPicPr>
+          <p:cNvPr id="7" name="Picture 6"/>
+          <p:cNvPicPr>
+            <a:picLocks noChangeAspect="1"/>
+          </p:cNvPicPr>
+          <p:nvPr/>
+        </p:nvPicPr>
+        <p:blipFill>
+          <a:blip r:embed="rId6"/>
+          <a:stretch>
+            <a:fillRect/>
+          </a:stretch>
+        </p:blipFill>
+        <p:spPr>
+          <a:xfrm>
+            <a:off x="6303480" y="1283265"/>
+            <a:ext cx="1731945" cy="1315401"/>
+          </a:xfrm>
+          <a:prstGeom prst="rect">
+            <a:avLst/>
+          </a:prstGeom>
+        </p:spPr>
+      </p:pic>
     </p:spTree>
     <p:extLst>
       <p:ext uri="{BB962C8B-B14F-4D97-AF65-F5344CB8AC3E}">
@@ -6322,11 +6423,7 @@
           <a:p>
             <a:r>
               <a:rPr lang="en-US" dirty="0" smtClean="0"/>
-              <a:t>Obesity in the </a:t>
-            </a:r>
-            <a:r>
-              <a:rPr lang="en-US" dirty="0" smtClean="0"/>
-              <a:t>U.S (percentage)</a:t>
+              <a:t>Obesity in the U.S (percentage)</a:t>
             </a:r>
             <a:endParaRPr lang="en-US" dirty="0"/>
           </a:p>
@@ -6678,6 +6775,13 @@
   <p:clrMapOvr>
     <a:masterClrMapping/>
   </p:clrMapOvr>
+  <p:timing>
+    <p:tnLst>
+      <p:par>
+        <p:cTn xmlns:p14="http://schemas.microsoft.com/office/powerpoint/2010/main" id="1" dur="indefinite" restart="never" nodeType="tmRoot"/>
+      </p:par>
+    </p:tnLst>
+  </p:timing>
 </p:sld>
 </file>
 
@@ -6715,7 +6819,11 @@
           <a:p>
             <a:r>
               <a:rPr lang="en-US" dirty="0" smtClean="0"/>
-              <a:t>Regression Analysis</a:t>
+              <a:t>Regression </a:t>
+            </a:r>
+            <a:r>
+              <a:rPr lang="en-US" dirty="0" smtClean="0"/>
+              <a:t>Analysis 1</a:t>
             </a:r>
             <a:endParaRPr lang="en-US" dirty="0"/>
           </a:p>
@@ -6723,7 +6831,7 @@
       </p:sp>
       <p:pic>
         <p:nvPicPr>
-          <p:cNvPr id="5" name="Picture 4"/>
+          <p:cNvPr id="9" name="Picture 8"/>
           <p:cNvPicPr>
             <a:picLocks noChangeAspect="1"/>
           </p:cNvPicPr>
@@ -6737,32 +6845,8 @@
         </p:blipFill>
         <p:spPr>
           <a:xfrm>
-            <a:off x="290558" y="1016917"/>
-            <a:ext cx="5038170" cy="3932230"/>
-          </a:xfrm>
-          <a:prstGeom prst="rect">
-            <a:avLst/>
-          </a:prstGeom>
-        </p:spPr>
-      </p:pic>
-      <p:pic>
-        <p:nvPicPr>
-          <p:cNvPr id="7" name="Picture 6"/>
-          <p:cNvPicPr>
-            <a:picLocks noChangeAspect="1"/>
-          </p:cNvPicPr>
-          <p:nvPr/>
-        </p:nvPicPr>
-        <p:blipFill>
-          <a:blip r:embed="rId4"/>
-          <a:stretch>
-            <a:fillRect/>
-          </a:stretch>
-        </p:blipFill>
-        <p:spPr>
-          <a:xfrm>
-            <a:off x="2160546" y="2307249"/>
-            <a:ext cx="6983454" cy="4447175"/>
+            <a:off x="1104900" y="1111827"/>
+            <a:ext cx="6921500" cy="5499100"/>
           </a:xfrm>
           <a:prstGeom prst="rect">
             <a:avLst/>
@@ -6779,6 +6863,13 @@
   <p:clrMapOvr>
     <a:masterClrMapping/>
   </p:clrMapOvr>
+  <p:timing>
+    <p:tnLst>
+      <p:par>
+        <p:cTn xmlns:p14="http://schemas.microsoft.com/office/powerpoint/2010/main" id="1" dur="indefinite" restart="never" nodeType="tmRoot"/>
+      </p:par>
+    </p:tnLst>
+  </p:timing>
 </p:sld>
 </file>
 
@@ -6806,6 +6897,90 @@
             <a:spLocks noGrp="1"/>
           </p:cNvSpPr>
           <p:nvPr>
+            <p:ph type="title"/>
+          </p:nvPr>
+        </p:nvSpPr>
+        <p:spPr/>
+        <p:txBody>
+          <a:bodyPr/>
+          <a:lstStyle/>
+          <a:p>
+            <a:r>
+              <a:rPr lang="en-US" dirty="0" smtClean="0"/>
+              <a:t>Regression analysis 2</a:t>
+            </a:r>
+            <a:endParaRPr lang="en-US" dirty="0"/>
+          </a:p>
+        </p:txBody>
+      </p:sp>
+      <p:pic>
+        <p:nvPicPr>
+          <p:cNvPr id="5" name="Picture 4"/>
+          <p:cNvPicPr>
+            <a:picLocks noChangeAspect="1"/>
+          </p:cNvPicPr>
+          <p:nvPr/>
+        </p:nvPicPr>
+        <p:blipFill>
+          <a:blip r:embed="rId2"/>
+          <a:stretch>
+            <a:fillRect/>
+          </a:stretch>
+        </p:blipFill>
+        <p:spPr>
+          <a:xfrm>
+            <a:off x="880363" y="1124461"/>
+            <a:ext cx="6776182" cy="5225539"/>
+          </a:xfrm>
+          <a:prstGeom prst="rect">
+            <a:avLst/>
+          </a:prstGeom>
+        </p:spPr>
+      </p:pic>
+    </p:spTree>
+    <p:extLst>
+      <p:ext uri="{BB962C8B-B14F-4D97-AF65-F5344CB8AC3E}">
+        <p14:creationId xmlns:p14="http://schemas.microsoft.com/office/powerpoint/2010/main" val="2377558715"/>
+      </p:ext>
+    </p:extLst>
+  </p:cSld>
+  <p:clrMapOvr>
+    <a:masterClrMapping/>
+  </p:clrMapOvr>
+  <p:timing>
+    <p:tnLst>
+      <p:par>
+        <p:cTn xmlns:p14="http://schemas.microsoft.com/office/powerpoint/2010/main" id="1" dur="indefinite" restart="never" nodeType="tmRoot"/>
+      </p:par>
+    </p:tnLst>
+  </p:timing>
+</p:sld>
+</file>
+
+<file path=ppt/slides/slide9.xml><?xml version="1.0" encoding="utf-8"?>
+<p:sld xmlns:a="http://schemas.openxmlformats.org/drawingml/2006/main" xmlns:r="http://schemas.openxmlformats.org/officeDocument/2006/relationships" xmlns:p="http://schemas.openxmlformats.org/presentationml/2006/main">
+  <p:cSld>
+    <p:spTree>
+      <p:nvGrpSpPr>
+        <p:cNvPr id="1" name=""/>
+        <p:cNvGrpSpPr/>
+        <p:nvPr/>
+      </p:nvGrpSpPr>
+      <p:grpSpPr>
+        <a:xfrm>
+          <a:off x="0" y="0"/>
+          <a:ext cx="0" cy="0"/>
+          <a:chOff x="0" y="0"/>
+          <a:chExt cx="0" cy="0"/>
+        </a:xfrm>
+      </p:grpSpPr>
+      <p:sp>
+        <p:nvSpPr>
+          <p:cNvPr id="2" name="Title 1"/>
+          <p:cNvSpPr>
+            <a:spLocks noGrp="1"/>
+          </p:cNvSpPr>
+          <p:nvPr>
             <p:ph type="ctrTitle"/>
           </p:nvPr>
         </p:nvSpPr>
@@ -6832,6 +7007,13 @@
   <p:clrMapOvr>
     <a:masterClrMapping/>
   </p:clrMapOvr>
+  <p:timing>
+    <p:tnLst>
+      <p:par>
+        <p:cTn xmlns:p14="http://schemas.microsoft.com/office/powerpoint/2010/main" id="1" dur="indefinite" restart="never" nodeType="tmRoot"/>
+      </p:par>
+    </p:tnLst>
+  </p:timing>
 </p:sld>
 </file>
 

--- a/Presentation1.pptx
+++ b/Presentation1.pptx
@@ -748,15 +748,51 @@
             </a:r>
           </a:p>
           <a:p>
-            <a:pPr lvl="2">
-              <a:buFont typeface="Arial"/>
-              <a:buNone/>
+            <a:pPr marL="1085850" lvl="2" indent="-171450">
+              <a:buFont typeface="Wingdings" charset="0"/>
+              <a:buChar char="à"/>
             </a:pPr>
             <a:r>
               <a:rPr lang="en-US" dirty="0" smtClean="0">
                 <a:sym typeface="Wingdings"/>
               </a:rPr>
-              <a:t> CHCI (calculated)</a:t>
+              <a:t>CHCI </a:t>
+            </a:r>
+            <a:r>
+              <a:rPr lang="en-US" dirty="0" smtClean="0">
+                <a:sym typeface="Wingdings"/>
+              </a:rPr>
+              <a:t>(calculated</a:t>
+            </a:r>
+            <a:r>
+              <a:rPr lang="en-US" dirty="0" smtClean="0">
+                <a:sym typeface="Wingdings"/>
+              </a:rPr>
+              <a:t>)</a:t>
+            </a:r>
+          </a:p>
+          <a:p>
+            <a:pPr marL="171450" lvl="0" indent="-171450">
+              <a:buFontTx/>
+              <a:buChar char="-"/>
+            </a:pPr>
+            <a:r>
+              <a:rPr lang="en-US" dirty="0" smtClean="0">
+                <a:sym typeface="Wingdings"/>
+              </a:rPr>
+              <a:t>USDA data</a:t>
+            </a:r>
+          </a:p>
+          <a:p>
+            <a:pPr marL="1085850" lvl="2" indent="-171450">
+              <a:buFontTx/>
+              <a:buChar char="-"/>
+            </a:pPr>
+            <a:r>
+              <a:rPr lang="en-US" smtClean="0">
+                <a:sym typeface="Wingdings"/>
+              </a:rPr>
+              <a:t>Fast food</a:t>
             </a:r>
             <a:endParaRPr lang="en-US" dirty="0" smtClean="0"/>
           </a:p>
@@ -909,14 +945,10 @@
             </a:pPr>
             <a:r>
               <a:rPr lang="en-US" dirty="0" smtClean="0"/>
-              <a:t>Max value for 2011 </a:t>
-            </a:r>
-            <a:r>
-              <a:rPr lang="en-US" smtClean="0"/>
-              <a:t>is </a:t>
-            </a:r>
-            <a:r>
-              <a:rPr lang="en-US" smtClean="0"/>
+              <a:t>Max value for 2011 is </a:t>
+            </a:r>
+            <a:r>
+              <a:rPr lang="en-US" dirty="0" smtClean="0"/>
               <a:t>69.1% </a:t>
             </a:r>
             <a:r>
@@ -925,20 +957,50 @@
             </a:r>
             <a:r>
               <a:rPr lang="en-US" baseline="0" dirty="0" smtClean="0"/>
-              <a:t> 2016 </a:t>
-            </a:r>
-            <a:r>
-              <a:rPr lang="en-US" baseline="0" smtClean="0"/>
-              <a:t>it’s </a:t>
-            </a:r>
-            <a:r>
-              <a:rPr lang="en-US" baseline="0" smtClean="0"/>
+              <a:t> 2016 it’s </a:t>
+            </a:r>
+            <a:r>
+              <a:rPr lang="en-US" baseline="0" dirty="0" smtClean="0"/>
               <a:t>71.6%</a:t>
             </a:r>
             <a:endParaRPr lang="en-US" dirty="0" smtClean="0"/>
           </a:p>
           <a:p>
-            <a:endParaRPr lang="en-US" dirty="0" smtClean="0"/>
+            <a:r>
+              <a:rPr lang="en-US" dirty="0" smtClean="0"/>
+              <a:t>Point out</a:t>
+            </a:r>
+            <a:r>
+              <a:rPr lang="en-US" baseline="0" dirty="0" smtClean="0"/>
+              <a:t> some states: Florida, Maine, California dropped.</a:t>
+            </a:r>
+          </a:p>
+          <a:p>
+            <a:pPr marL="0" marR="0" indent="0" algn="l" defTabSz="457200" rtl="0" eaLnBrk="1" fontAlgn="auto" latinLnBrk="0" hangingPunct="1">
+              <a:lnSpc>
+                <a:spcPct val="100000"/>
+              </a:lnSpc>
+              <a:spcBef>
+                <a:spcPts val="0"/>
+              </a:spcBef>
+              <a:spcAft>
+                <a:spcPts val="0"/>
+              </a:spcAft>
+              <a:buClrTx/>
+              <a:buSzTx/>
+              <a:buFontTx/>
+              <a:buNone/>
+              <a:tabLst/>
+              <a:defRPr/>
+            </a:pPr>
+            <a:r>
+              <a:rPr lang="en-US" dirty="0" smtClean="0"/>
+              <a:t>Point out</a:t>
+            </a:r>
+            <a:r>
+              <a:rPr lang="en-US" baseline="0" dirty="0" smtClean="0"/>
+              <a:t> some states: North Dakota, South Dakota, Nebraska increased.</a:t>
+            </a:r>
           </a:p>
           <a:p>
             <a:endParaRPr lang="en-US" dirty="0" smtClean="0"/>
@@ -1042,7 +1104,15 @@
             </a:r>
             <a:r>
               <a:rPr lang="en-US" baseline="0" dirty="0" smtClean="0"/>
-              <a:t> of highest ranked obesity and the lowest ranked state</a:t>
+              <a:t> of highest ranked obesity and </a:t>
+            </a:r>
+            <a:r>
+              <a:rPr lang="en-US" baseline="0" dirty="0" smtClean="0"/>
+              <a:t>one lowest </a:t>
+            </a:r>
+            <a:r>
+              <a:rPr lang="en-US" baseline="0" dirty="0" smtClean="0"/>
+              <a:t>ranked state</a:t>
             </a:r>
             <a:endParaRPr lang="en-US" dirty="0"/>
           </a:p>
@@ -1142,18 +1212,26 @@
           <a:p>
             <a:r>
               <a:rPr lang="en-US" dirty="0" smtClean="0"/>
-              <a:t>Topic:</a:t>
+              <a:t>Talking</a:t>
+            </a:r>
+            <a:r>
+              <a:rPr lang="en-US" baseline="0" dirty="0" smtClean="0"/>
+              <a:t> points (NOT planning to run)</a:t>
+            </a:r>
+            <a:r>
+              <a:rPr lang="en-US" dirty="0" smtClean="0"/>
+              <a:t>:</a:t>
+            </a:r>
+          </a:p>
+          <a:p>
+            <a:r>
+              <a:rPr lang="en-US" dirty="0" smtClean="0"/>
+              <a:t>-</a:t>
             </a:r>
             <a:r>
               <a:rPr lang="en-US" baseline="0" dirty="0" smtClean="0"/>
               <a:t> </a:t>
             </a:r>
-          </a:p>
-          <a:p>
-            <a:pPr>
-              <a:buFontTx/>
-              <a:buChar char="•"/>
-            </a:pPr>
             <a:r>
               <a:rPr lang="en-US" dirty="0" smtClean="0"/>
               <a:t>Obesity </a:t>
@@ -1164,52 +1242,39 @@
             </a:r>
             <a:r>
               <a:rPr lang="en-US" dirty="0" smtClean="0"/>
-              <a:t> Inactivity</a:t>
-            </a:r>
-          </a:p>
-          <a:p>
-            <a:pPr>
-              <a:buFontTx/>
-              <a:buChar char="•"/>
-            </a:pPr>
-            <a:r>
-              <a:rPr lang="en-US" dirty="0" smtClean="0"/>
-              <a:t>Obesity </a:t>
-            </a:r>
-            <a:r>
-              <a:rPr lang="en-US" dirty="0" err="1" smtClean="0"/>
+              <a:t> CHCI</a:t>
+            </a:r>
+            <a:r>
+              <a:rPr lang="en-US" baseline="0" dirty="0" smtClean="0"/>
+              <a:t> </a:t>
+            </a:r>
+          </a:p>
+          <a:p>
+            <a:endParaRPr lang="en-US" baseline="0" dirty="0" smtClean="0"/>
+          </a:p>
+          <a:p>
+            <a:endParaRPr lang="en-US" baseline="0" dirty="0" smtClean="0"/>
+          </a:p>
+          <a:p>
+            <a:r>
+              <a:rPr lang="en-US" baseline="0" dirty="0" smtClean="0"/>
+              <a:t>Dynamic (Play and explanation): </a:t>
+            </a:r>
+          </a:p>
+          <a:p>
+            <a:r>
+              <a:rPr lang="en-US" baseline="0" dirty="0" smtClean="0"/>
+              <a:t>- Obesity </a:t>
+            </a:r>
+            <a:r>
+              <a:rPr lang="en-US" baseline="0" dirty="0" err="1" smtClean="0"/>
               <a:t>vs</a:t>
             </a:r>
             <a:r>
-              <a:rPr lang="en-US" dirty="0" smtClean="0"/>
-              <a:t> </a:t>
-            </a:r>
-            <a:r>
-              <a:rPr lang="en-US" dirty="0" err="1" smtClean="0"/>
-              <a:t>chci</a:t>
-            </a:r>
-            <a:endParaRPr lang="en-US" dirty="0" smtClean="0"/>
-          </a:p>
-          <a:p>
-            <a:pPr>
-              <a:buFontTx/>
-              <a:buChar char="•"/>
-            </a:pPr>
-            <a:r>
-              <a:rPr lang="en-US" dirty="0" smtClean="0"/>
-              <a:t>Obesity </a:t>
-            </a:r>
-            <a:r>
-              <a:rPr lang="en-US" dirty="0" err="1" smtClean="0"/>
-              <a:t>vs</a:t>
-            </a:r>
-            <a:r>
-              <a:rPr lang="en-US" dirty="0" smtClean="0"/>
-              <a:t> poverty</a:t>
-            </a:r>
-          </a:p>
-          <a:p>
-            <a:endParaRPr lang="en-US" dirty="0"/>
+              <a:rPr lang="en-US" baseline="0" dirty="0" smtClean="0"/>
+              <a:t> Diabetes (Alabama + Mississippi)</a:t>
+            </a:r>
+            <a:endParaRPr lang="en-US" baseline="0" dirty="0" smtClean="0"/>
           </a:p>
         </p:txBody>
       </p:sp>
@@ -6538,27 +6603,11 @@
             </a:pPr>
             <a:endParaRPr lang="en-US" dirty="0"/>
           </a:p>
-          <a:p>
-            <a:pPr marL="0" indent="0"/>
-            <a:r>
-              <a:rPr lang="en-US" dirty="0" smtClean="0"/>
-              <a:t>&lt;Demo of </a:t>
-            </a:r>
-            <a:r>
-              <a:rPr lang="en-US" dirty="0"/>
-              <a:t>US </a:t>
-            </a:r>
-            <a:r>
-              <a:rPr lang="en-US" dirty="0" smtClean="0"/>
-              <a:t>map&gt;</a:t>
-            </a:r>
-            <a:endParaRPr lang="en-US" dirty="0"/>
-          </a:p>
         </p:txBody>
       </p:sp>
       <p:pic>
         <p:nvPicPr>
-          <p:cNvPr id="5" name="Picture 4"/>
+          <p:cNvPr id="4" name="Picture 3"/>
           <p:cNvPicPr>
             <a:picLocks noChangeAspect="1"/>
           </p:cNvPicPr>
@@ -6572,8 +6621,8 @@
         </p:blipFill>
         <p:spPr>
           <a:xfrm>
-            <a:off x="4541513" y="2106783"/>
-            <a:ext cx="4602487" cy="3088511"/>
+            <a:off x="0" y="2106782"/>
+            <a:ext cx="4602368" cy="3088511"/>
           </a:xfrm>
           <a:prstGeom prst="rect">
             <a:avLst/>
@@ -6582,7 +6631,7 @@
       </p:pic>
       <p:pic>
         <p:nvPicPr>
-          <p:cNvPr id="6" name="Picture 5"/>
+          <p:cNvPr id="7" name="Picture 6"/>
           <p:cNvPicPr>
             <a:picLocks noChangeAspect="1"/>
           </p:cNvPicPr>
@@ -6596,8 +6645,8 @@
         </p:blipFill>
         <p:spPr>
           <a:xfrm>
-            <a:off x="0" y="2106783"/>
-            <a:ext cx="4614670" cy="3088511"/>
+            <a:off x="4602368" y="2185394"/>
+            <a:ext cx="4479299" cy="3009899"/>
           </a:xfrm>
           <a:prstGeom prst="rect">
             <a:avLst/>
@@ -6692,8 +6741,32 @@
         </p:blipFill>
         <p:spPr>
           <a:xfrm>
-            <a:off x="1745996" y="1370197"/>
+            <a:off x="301109" y="1079142"/>
             <a:ext cx="5634115" cy="5403527"/>
+          </a:xfrm>
+          <a:prstGeom prst="rect">
+            <a:avLst/>
+          </a:prstGeom>
+        </p:spPr>
+      </p:pic>
+      <p:pic>
+        <p:nvPicPr>
+          <p:cNvPr id="4" name="Picture 3"/>
+          <p:cNvPicPr>
+            <a:picLocks noChangeAspect="1"/>
+          </p:cNvPicPr>
+          <p:nvPr/>
+        </p:nvPicPr>
+        <p:blipFill>
+          <a:blip r:embed="rId4"/>
+          <a:stretch>
+            <a:fillRect/>
+          </a:stretch>
+        </p:blipFill>
+        <p:spPr>
+          <a:xfrm>
+            <a:off x="5935224" y="1514811"/>
+            <a:ext cx="3069160" cy="4470022"/>
           </a:xfrm>
           <a:prstGeom prst="rect">
             <a:avLst/>
@@ -6765,6 +6838,30 @@
           </a:p>
         </p:txBody>
       </p:sp>
+      <p:pic>
+        <p:nvPicPr>
+          <p:cNvPr id="3" name="Picture 2"/>
+          <p:cNvPicPr>
+            <a:picLocks noChangeAspect="1"/>
+          </p:cNvPicPr>
+          <p:nvPr/>
+        </p:nvPicPr>
+        <p:blipFill>
+          <a:blip r:embed="rId3"/>
+          <a:stretch>
+            <a:fillRect/>
+          </a:stretch>
+        </p:blipFill>
+        <p:spPr>
+          <a:xfrm>
+            <a:off x="1468332" y="1349440"/>
+            <a:ext cx="5899780" cy="5282548"/>
+          </a:xfrm>
+          <a:prstGeom prst="rect">
+            <a:avLst/>
+          </a:prstGeom>
+        </p:spPr>
+      </p:pic>
     </p:spTree>
     <p:extLst>
       <p:ext uri="{BB962C8B-B14F-4D97-AF65-F5344CB8AC3E}">

--- a/Presentation1.pptx
+++ b/Presentation1.pptx
@@ -512,79 +512,35 @@
           <a:bodyPr/>
           <a:lstStyle/>
           <a:p>
-            <a:pPr marL="171450" marR="0" indent="-171450" algn="l" defTabSz="457200" rtl="0" eaLnBrk="1" fontAlgn="auto" latinLnBrk="0" hangingPunct="1">
-              <a:lnSpc>
-                <a:spcPct val="100000"/>
-              </a:lnSpc>
-              <a:spcBef>
-                <a:spcPts val="0"/>
-              </a:spcBef>
-              <a:spcAft>
-                <a:spcPts val="0"/>
-              </a:spcAft>
-              <a:buClrTx/>
-              <a:buSzTx/>
-              <a:buFontTx/>
-              <a:buChar char="-"/>
-              <a:tabLst/>
-              <a:defRPr/>
-            </a:pPr>
+            <a:r>
+              <a:rPr lang="en-US" dirty="0" smtClean="0"/>
+              <a:t>Lori:  Hi we’re current</a:t>
+            </a:r>
             <a:r>
               <a:rPr lang="en-US" baseline="0" dirty="0" smtClean="0"/>
-              <a:t>Obesity is determined by BMI &gt; 30</a:t>
-            </a:r>
-          </a:p>
-          <a:p>
-            <a:pPr marL="171450" marR="0" indent="-171450" algn="l" defTabSz="457200" rtl="0" eaLnBrk="1" fontAlgn="auto" latinLnBrk="0" hangingPunct="1">
-              <a:lnSpc>
-                <a:spcPct val="100000"/>
-              </a:lnSpc>
-              <a:spcBef>
-                <a:spcPts val="0"/>
-              </a:spcBef>
-              <a:spcAft>
-                <a:spcPts val="0"/>
-              </a:spcAft>
-              <a:buClrTx/>
-              <a:buSzTx/>
-              <a:buFontTx/>
-              <a:buChar char="-"/>
-              <a:tabLst/>
-              <a:defRPr/>
-            </a:pPr>
+              <a:t> students of the UCLA Intensive Data Science extension program.</a:t>
+            </a:r>
+          </a:p>
+          <a:p>
             <a:r>
               <a:rPr lang="en-US" baseline="0" dirty="0" smtClean="0"/>
-              <a:t>BMI = body mass index = </a:t>
-            </a:r>
-            <a:r>
-              <a:rPr lang="en-US" dirty="0" smtClean="0"/>
-              <a:t>Calculation</a:t>
-            </a:r>
+              <a:t>Lori:  My name is Lori Kim and this</a:t>
+            </a:r>
+          </a:p>
+          <a:p>
             <a:r>
               <a:rPr lang="en-US" baseline="0" dirty="0" smtClean="0"/>
-              <a:t> of weight and height</a:t>
-            </a:r>
-          </a:p>
-          <a:p>
-            <a:pPr marL="171450" indent="-171450">
-              <a:buFontTx/>
-              <a:buChar char="-"/>
-            </a:pPr>
+              <a:t>Cindy: And my name is Cindy So</a:t>
+            </a:r>
+          </a:p>
+          <a:p>
+            <a:endParaRPr lang="en-US" baseline="0" dirty="0" smtClean="0"/>
+          </a:p>
+          <a:p>
             <a:r>
               <a:rPr lang="en-US" baseline="0" dirty="0" smtClean="0"/>
-              <a:t>We are concerned about the growing trend towards obesity</a:t>
-            </a:r>
-          </a:p>
-          <a:p>
-            <a:pPr marL="171450" indent="-171450">
-              <a:buFontTx/>
-              <a:buChar char="-"/>
-            </a:pPr>
-            <a:r>
-              <a:rPr lang="en-US" baseline="0" dirty="0" smtClean="0"/>
-              <a:t>Big question to ask: Why is the US growing more obese and what are its factors</a:t>
-            </a:r>
-            <a:endParaRPr lang="en-US" dirty="0"/>
+              <a:t>We focused on the question of obesity.</a:t>
+            </a:r>
           </a:p>
         </p:txBody>
       </p:sp>
@@ -605,7 +561,7 @@
           <a:p>
             <a:fld id="{12DC347B-7FAC-1B42-8207-C55C9726B358}" type="slidenum">
               <a:rPr lang="en-US" smtClean="0"/>
-              <a:t>2</a:t>
+              <a:t>1</a:t>
             </a:fld>
             <a:endParaRPr lang="en-US"/>
           </a:p>
@@ -614,7 +570,7 @@
     </p:spTree>
     <p:extLst>
       <p:ext uri="{BB962C8B-B14F-4D97-AF65-F5344CB8AC3E}">
-        <p14:creationId xmlns:p14="http://schemas.microsoft.com/office/powerpoint/2010/main" val="1065789768"/>
+        <p14:creationId xmlns:p14="http://schemas.microsoft.com/office/powerpoint/2010/main" val="3637390573"/>
       </p:ext>
     </p:extLst>
   </p:cSld>
@@ -668,135 +624,234 @@
           <a:bodyPr/>
           <a:lstStyle/>
           <a:p>
-            <a:pPr>
-              <a:buFont typeface="Arial"/>
+            <a:pPr marL="0" marR="0" indent="0" algn="l" defTabSz="457200" rtl="0" eaLnBrk="1" fontAlgn="auto" latinLnBrk="0" hangingPunct="1">
+              <a:lnSpc>
+                <a:spcPct val="100000"/>
+              </a:lnSpc>
+              <a:spcBef>
+                <a:spcPts val="0"/>
+              </a:spcBef>
+              <a:spcAft>
+                <a:spcPts val="0"/>
+              </a:spcAft>
+              <a:buClrTx/>
+              <a:buSzTx/>
+              <a:buFontTx/>
               <a:buNone/>
+              <a:tabLst/>
+              <a:defRPr/>
             </a:pPr>
             <a:r>
-              <a:rPr lang="en-US" sz="1800" dirty="0" smtClean="0"/>
-              <a:t>- CDC Data Values:</a:t>
-            </a:r>
-          </a:p>
-          <a:p>
-            <a:pPr lvl="2">
-              <a:buFont typeface="Arial"/>
-              <a:buChar char="•"/>
+              <a:rPr lang="en-US" baseline="0" dirty="0" smtClean="0"/>
+              <a:t>Now what is obesity?  </a:t>
+            </a:r>
+          </a:p>
+          <a:p>
+            <a:pPr marL="0" marR="0" indent="0" algn="l" defTabSz="457200" rtl="0" eaLnBrk="1" fontAlgn="auto" latinLnBrk="0" hangingPunct="1">
+              <a:lnSpc>
+                <a:spcPct val="100000"/>
+              </a:lnSpc>
+              <a:spcBef>
+                <a:spcPts val="0"/>
+              </a:spcBef>
+              <a:spcAft>
+                <a:spcPts val="0"/>
+              </a:spcAft>
+              <a:buClrTx/>
+              <a:buSzTx/>
+              <a:buFontTx/>
+              <a:buNone/>
+              <a:tabLst/>
+              <a:defRPr/>
             </a:pPr>
             <a:r>
+              <a:rPr lang="en-US" baseline="0" dirty="0" smtClean="0"/>
+              <a:t>Obesity is one of the categories that classifies weight based on BMI.</a:t>
+            </a:r>
+          </a:p>
+          <a:p>
+            <a:pPr marL="0" marR="0" indent="0" algn="l" defTabSz="457200" rtl="0" eaLnBrk="1" fontAlgn="auto" latinLnBrk="0" hangingPunct="1">
+              <a:lnSpc>
+                <a:spcPct val="100000"/>
+              </a:lnSpc>
+              <a:spcBef>
+                <a:spcPts val="0"/>
+              </a:spcBef>
+              <a:spcAft>
+                <a:spcPts val="0"/>
+              </a:spcAft>
+              <a:buClrTx/>
+              <a:buSzTx/>
+              <a:buFontTx/>
+              <a:buNone/>
+              <a:tabLst/>
+              <a:defRPr/>
+            </a:pPr>
+            <a:r>
+              <a:rPr lang="en-US" baseline="0" dirty="0" smtClean="0"/>
+              <a:t>BMI is a calculation of a person’s weight in kg divided by the person’s squared height in meters.</a:t>
+            </a:r>
+          </a:p>
+          <a:p>
+            <a:pPr marL="0" marR="0" indent="0" algn="l" defTabSz="457200" rtl="0" eaLnBrk="1" fontAlgn="auto" latinLnBrk="0" hangingPunct="1">
+              <a:lnSpc>
+                <a:spcPct val="100000"/>
+              </a:lnSpc>
+              <a:spcBef>
+                <a:spcPts val="0"/>
+              </a:spcBef>
+              <a:spcAft>
+                <a:spcPts val="0"/>
+              </a:spcAft>
+              <a:buClrTx/>
+              <a:buSzTx/>
+              <a:buFontTx/>
+              <a:buNone/>
+              <a:tabLst/>
+              <a:defRPr/>
+            </a:pPr>
+            <a:r>
+              <a:rPr lang="en-US" baseline="0" dirty="0" smtClean="0"/>
+              <a:t>The other classifications for weight are underweight, normal, overweight, and extremely obese</a:t>
+            </a:r>
+          </a:p>
+          <a:p>
+            <a:pPr marL="0" marR="0" indent="0" algn="l" defTabSz="457200" rtl="0" eaLnBrk="1" fontAlgn="auto" latinLnBrk="0" hangingPunct="1">
+              <a:lnSpc>
+                <a:spcPct val="100000"/>
+              </a:lnSpc>
+              <a:spcBef>
+                <a:spcPts val="0"/>
+              </a:spcBef>
+              <a:spcAft>
+                <a:spcPts val="0"/>
+              </a:spcAft>
+              <a:buClrTx/>
+              <a:buSzTx/>
+              <a:buFontTx/>
+              <a:buNone/>
+              <a:tabLst/>
+              <a:defRPr/>
+            </a:pPr>
+            <a:r>
+              <a:rPr lang="en-US" baseline="0" dirty="0" smtClean="0"/>
+              <a:t>And a person is classified as obese if their BMI is between 30 to 34.9</a:t>
+            </a:r>
+          </a:p>
+          <a:p>
+            <a:pPr marL="171450" marR="0" indent="-171450" algn="l" defTabSz="457200" rtl="0" eaLnBrk="1" fontAlgn="auto" latinLnBrk="0" hangingPunct="1">
+              <a:lnSpc>
+                <a:spcPct val="100000"/>
+              </a:lnSpc>
+              <a:spcBef>
+                <a:spcPts val="0"/>
+              </a:spcBef>
+              <a:spcAft>
+                <a:spcPts val="0"/>
+              </a:spcAft>
+              <a:buClrTx/>
+              <a:buSzTx/>
+              <a:buFontTx/>
+              <a:buChar char="-"/>
+              <a:tabLst/>
+              <a:defRPr/>
+            </a:pPr>
+            <a:endParaRPr lang="en-US" baseline="0" dirty="0" smtClean="0"/>
+          </a:p>
+          <a:p>
+            <a:pPr marL="171450" marR="0" indent="-171450" algn="l" defTabSz="457200" rtl="0" eaLnBrk="1" fontAlgn="auto" latinLnBrk="0" hangingPunct="1">
+              <a:lnSpc>
+                <a:spcPct val="100000"/>
+              </a:lnSpc>
+              <a:spcBef>
+                <a:spcPts val="0"/>
+              </a:spcBef>
+              <a:spcAft>
+                <a:spcPts val="0"/>
+              </a:spcAft>
+              <a:buClrTx/>
+              <a:buSzTx/>
+              <a:buFontTx/>
+              <a:buChar char="-"/>
+              <a:tabLst/>
+              <a:defRPr/>
+            </a:pPr>
+            <a:endParaRPr lang="en-US" baseline="0" dirty="0" smtClean="0"/>
+          </a:p>
+          <a:p>
+            <a:pPr marL="171450" marR="0" indent="-171450" algn="l" defTabSz="457200" rtl="0" eaLnBrk="1" fontAlgn="auto" latinLnBrk="0" hangingPunct="1">
+              <a:lnSpc>
+                <a:spcPct val="100000"/>
+              </a:lnSpc>
+              <a:spcBef>
+                <a:spcPts val="0"/>
+              </a:spcBef>
+              <a:spcAft>
+                <a:spcPts val="0"/>
+              </a:spcAft>
+              <a:buClrTx/>
+              <a:buSzTx/>
+              <a:buFontTx/>
+              <a:buChar char="-"/>
+              <a:tabLst/>
+              <a:defRPr/>
+            </a:pPr>
+            <a:endParaRPr lang="en-US" baseline="0" dirty="0" smtClean="0"/>
+          </a:p>
+          <a:p>
+            <a:pPr marL="0" marR="0" indent="0" algn="l" defTabSz="457200" rtl="0" eaLnBrk="1" fontAlgn="auto" latinLnBrk="0" hangingPunct="1">
+              <a:lnSpc>
+                <a:spcPct val="100000"/>
+              </a:lnSpc>
+              <a:spcBef>
+                <a:spcPts val="0"/>
+              </a:spcBef>
+              <a:spcAft>
+                <a:spcPts val="0"/>
+              </a:spcAft>
+              <a:buClrTx/>
+              <a:buSzTx/>
+              <a:buFontTx/>
+              <a:buNone/>
+              <a:tabLst/>
+              <a:defRPr/>
+            </a:pPr>
+            <a:r>
+              <a:rPr lang="en-US" baseline="0" dirty="0" smtClean="0"/>
+              <a:t>- BMI </a:t>
+            </a:r>
+            <a:r>
+              <a:rPr lang="en-US" baseline="0" dirty="0" smtClean="0"/>
+              <a:t>= body mass index = </a:t>
+            </a:r>
+            <a:r>
               <a:rPr lang="en-US" dirty="0" smtClean="0"/>
-              <a:t> Obesity</a:t>
-            </a:r>
-          </a:p>
-          <a:p>
-            <a:pPr lvl="2">
-              <a:buFont typeface="Arial"/>
-              <a:buChar char="•"/>
-            </a:pPr>
-            <a:r>
-              <a:rPr lang="en-US" dirty="0" smtClean="0"/>
-              <a:t> Inactivity</a:t>
-            </a:r>
-          </a:p>
-          <a:p>
-            <a:pPr lvl="2">
-              <a:buFont typeface="Arial"/>
-              <a:buChar char="•"/>
-            </a:pPr>
-            <a:r>
-              <a:rPr lang="en-US" dirty="0" smtClean="0"/>
-              <a:t> Poverty </a:t>
-            </a:r>
-          </a:p>
-          <a:p>
-            <a:pPr lvl="2">
-              <a:buFont typeface="Arial"/>
-              <a:buChar char="•"/>
-            </a:pPr>
-            <a:r>
-              <a:rPr lang="en-US" dirty="0" smtClean="0"/>
-              <a:t> Diabetes</a:t>
-            </a:r>
-          </a:p>
-          <a:p>
-            <a:pPr>
-              <a:buFont typeface="Arial"/>
-              <a:buNone/>
-            </a:pPr>
-            <a:r>
-              <a:rPr lang="en-US" sz="1800" dirty="0" smtClean="0"/>
-              <a:t> - American Fact Finder Data Values:</a:t>
-            </a:r>
-          </a:p>
-          <a:p>
-            <a:pPr lvl="2">
-              <a:buFont typeface="Arial"/>
-              <a:buChar char="•"/>
-            </a:pPr>
-            <a:r>
-              <a:rPr lang="en-US" dirty="0" smtClean="0"/>
-              <a:t> Population</a:t>
-            </a:r>
-          </a:p>
-          <a:p>
-            <a:pPr lvl="2">
-              <a:buFont typeface="Arial"/>
-              <a:buChar char="•"/>
-            </a:pPr>
-            <a:r>
-              <a:rPr lang="en-US" dirty="0" smtClean="0"/>
-              <a:t> Education level</a:t>
-            </a:r>
-          </a:p>
-          <a:p>
-            <a:pPr marL="1085850" lvl="2" indent="-171450">
-              <a:buFont typeface="Wingdings" charset="0"/>
-              <a:buChar char="à"/>
-            </a:pPr>
-            <a:r>
-              <a:rPr lang="en-US" dirty="0" smtClean="0">
-                <a:sym typeface="Wingdings"/>
-              </a:rPr>
-              <a:t>CHCI </a:t>
-            </a:r>
-            <a:r>
-              <a:rPr lang="en-US" dirty="0" smtClean="0">
-                <a:sym typeface="Wingdings"/>
-              </a:rPr>
-              <a:t>(calculated</a:t>
-            </a:r>
-            <a:r>
-              <a:rPr lang="en-US" dirty="0" smtClean="0">
-                <a:sym typeface="Wingdings"/>
-              </a:rPr>
-              <a:t>)</a:t>
-            </a:r>
-          </a:p>
-          <a:p>
-            <a:pPr marL="171450" lvl="0" indent="-171450">
+              <a:t>Calculation</a:t>
+            </a:r>
+            <a:r>
+              <a:rPr lang="en-US" baseline="0" dirty="0" smtClean="0"/>
+              <a:t> of weight and height</a:t>
+            </a:r>
+          </a:p>
+          <a:p>
+            <a:pPr marL="171450" indent="-171450">
               <a:buFontTx/>
               <a:buChar char="-"/>
             </a:pPr>
             <a:r>
-              <a:rPr lang="en-US" dirty="0" smtClean="0">
-                <a:sym typeface="Wingdings"/>
-              </a:rPr>
-              <a:t>USDA data</a:t>
-            </a:r>
-          </a:p>
-          <a:p>
-            <a:pPr marL="1085850" lvl="2" indent="-171450">
+              <a:rPr lang="en-US" baseline="0" dirty="0" smtClean="0"/>
+              <a:t>We are concerned about the growing trend towards obesity</a:t>
+            </a:r>
+          </a:p>
+          <a:p>
+            <a:pPr marL="171450" indent="-171450">
               <a:buFontTx/>
               <a:buChar char="-"/>
             </a:pPr>
             <a:r>
-              <a:rPr lang="en-US" smtClean="0">
-                <a:sym typeface="Wingdings"/>
-              </a:rPr>
-              <a:t>Fast food</a:t>
-            </a:r>
-            <a:endParaRPr lang="en-US" dirty="0" smtClean="0"/>
-          </a:p>
-          <a:p>
+              <a:rPr lang="en-US" baseline="0" dirty="0" smtClean="0"/>
+              <a:t>Big question to ask: Why is the US growing more obese and what are its factors</a:t>
+            </a:r>
             <a:endParaRPr lang="en-US" dirty="0"/>
           </a:p>
         </p:txBody>
@@ -818,7 +873,7 @@
           <a:p>
             <a:fld id="{12DC347B-7FAC-1B42-8207-C55C9726B358}" type="slidenum">
               <a:rPr lang="en-US" smtClean="0"/>
-              <a:t>3</a:t>
+              <a:t>2</a:t>
             </a:fld>
             <a:endParaRPr lang="en-US"/>
           </a:p>
@@ -827,7 +882,7 @@
     </p:spTree>
     <p:extLst>
       <p:ext uri="{BB962C8B-B14F-4D97-AF65-F5344CB8AC3E}">
-        <p14:creationId xmlns:p14="http://schemas.microsoft.com/office/powerpoint/2010/main" val="4283793742"/>
+        <p14:creationId xmlns:p14="http://schemas.microsoft.com/office/powerpoint/2010/main" val="1065789768"/>
       </p:ext>
     </p:extLst>
   </p:cSld>
@@ -881,139 +936,135 @@
           <a:bodyPr/>
           <a:lstStyle/>
           <a:p>
+            <a:pPr>
+              <a:buFont typeface="Arial"/>
+              <a:buNone/>
+            </a:pPr>
+            <a:r>
+              <a:rPr lang="en-US" sz="1800" dirty="0" smtClean="0"/>
+              <a:t>- CDC Data Values:</a:t>
+            </a:r>
+          </a:p>
+          <a:p>
+            <a:pPr lvl="2">
+              <a:buFont typeface="Arial"/>
+              <a:buChar char="•"/>
+            </a:pPr>
             <a:r>
               <a:rPr lang="en-US" dirty="0" smtClean="0"/>
-              <a:t>Very slight shift </a:t>
-            </a:r>
+              <a:t> Obesity</a:t>
+            </a:r>
+          </a:p>
+          <a:p>
+            <a:pPr lvl="2">
+              <a:buFont typeface="Arial"/>
+              <a:buChar char="•"/>
+            </a:pPr>
             <a:r>
               <a:rPr lang="en-US" dirty="0" smtClean="0"/>
-              <a:t>increase in obesity from</a:t>
-            </a:r>
-            <a:r>
-              <a:rPr lang="en-US" baseline="0" dirty="0" smtClean="0"/>
-              <a:t> </a:t>
-            </a:r>
-            <a:r>
-              <a:rPr lang="en-US" baseline="0" dirty="0" smtClean="0"/>
-              <a:t>2011 to 2016 </a:t>
-            </a:r>
+              <a:t> Inactivity</a:t>
+            </a:r>
+          </a:p>
+          <a:p>
+            <a:pPr lvl="2">
+              <a:buFont typeface="Arial"/>
+              <a:buChar char="•"/>
+            </a:pPr>
             <a:r>
               <a:rPr lang="en-US" dirty="0" smtClean="0"/>
-              <a:t>about 1-2 %</a:t>
-            </a:r>
-          </a:p>
-          <a:p>
+              <a:t> Poverty </a:t>
+            </a:r>
+          </a:p>
+          <a:p>
+            <a:pPr lvl="2">
+              <a:buFont typeface="Arial"/>
+              <a:buChar char="•"/>
+            </a:pPr>
             <a:r>
               <a:rPr lang="en-US" dirty="0" smtClean="0"/>
-              <a:t>Min value for 2011 is </a:t>
-            </a:r>
+              <a:t> Diabetes</a:t>
+            </a:r>
+          </a:p>
+          <a:p>
+            <a:pPr>
+              <a:buFont typeface="Arial"/>
+              <a:buNone/>
+            </a:pPr>
+            <a:r>
+              <a:rPr lang="en-US" sz="1800" dirty="0" smtClean="0"/>
+              <a:t> - American Fact Finder Data Values:</a:t>
+            </a:r>
+          </a:p>
+          <a:p>
+            <a:pPr lvl="2">
+              <a:buFont typeface="Arial"/>
+              <a:buChar char="•"/>
+            </a:pPr>
             <a:r>
               <a:rPr lang="en-US" dirty="0" smtClean="0"/>
-              <a:t>55.85 </a:t>
-            </a:r>
+              <a:t> Population</a:t>
+            </a:r>
+          </a:p>
+          <a:p>
+            <a:pPr lvl="2">
+              <a:buFont typeface="Arial"/>
+              <a:buChar char="•"/>
+            </a:pPr>
             <a:r>
               <a:rPr lang="en-US" dirty="0" smtClean="0"/>
-              <a:t>and in</a:t>
-            </a:r>
-            <a:r>
-              <a:rPr lang="en-US" baseline="0" dirty="0" smtClean="0"/>
-              <a:t> 2016 it’s </a:t>
-            </a:r>
-            <a:r>
-              <a:rPr lang="en-US" baseline="0" dirty="0" smtClean="0"/>
-              <a:t>57.95</a:t>
-            </a:r>
-            <a:endParaRPr lang="en-US" baseline="0" dirty="0" smtClean="0"/>
-          </a:p>
-          <a:p>
-            <a:pPr marL="0" marR="0" indent="0" algn="l" defTabSz="457200" rtl="0" eaLnBrk="1" fontAlgn="auto" latinLnBrk="0" hangingPunct="1">
-              <a:lnSpc>
-                <a:spcPct val="100000"/>
-              </a:lnSpc>
-              <a:spcBef>
-                <a:spcPts val="0"/>
-              </a:spcBef>
-              <a:spcAft>
-                <a:spcPts val="0"/>
-              </a:spcAft>
-              <a:buClrTx/>
-              <a:buSzTx/>
+              <a:t> Education level</a:t>
+            </a:r>
+          </a:p>
+          <a:p>
+            <a:pPr marL="1085850" lvl="2" indent="-171450">
+              <a:buFont typeface="Wingdings" charset="0"/>
+              <a:buChar char="à"/>
+            </a:pPr>
+            <a:r>
+              <a:rPr lang="en-US" dirty="0" smtClean="0">
+                <a:sym typeface="Wingdings"/>
+              </a:rPr>
+              <a:t>CHCI </a:t>
+            </a:r>
+            <a:r>
+              <a:rPr lang="en-US" dirty="0" smtClean="0">
+                <a:sym typeface="Wingdings"/>
+              </a:rPr>
+              <a:t>(calculated</a:t>
+            </a:r>
+            <a:r>
+              <a:rPr lang="en-US" dirty="0" smtClean="0">
+                <a:sym typeface="Wingdings"/>
+              </a:rPr>
+              <a:t>)</a:t>
+            </a:r>
+          </a:p>
+          <a:p>
+            <a:pPr marL="171450" lvl="0" indent="-171450">
               <a:buFontTx/>
-              <a:buNone/>
-              <a:tabLst/>
-              <a:defRPr/>
+              <a:buChar char="-"/>
             </a:pPr>
             <a:r>
-              <a:rPr lang="en-US" dirty="0" smtClean="0"/>
-              <a:t>Max value for 2011 is </a:t>
-            </a:r>
-            <a:r>
-              <a:rPr lang="en-US" dirty="0" smtClean="0"/>
-              <a:t>69.1% </a:t>
-            </a:r>
-            <a:r>
-              <a:rPr lang="en-US" dirty="0" smtClean="0"/>
-              <a:t>and in</a:t>
-            </a:r>
-            <a:r>
-              <a:rPr lang="en-US" baseline="0" dirty="0" smtClean="0"/>
-              <a:t> 2016 it’s </a:t>
-            </a:r>
-            <a:r>
-              <a:rPr lang="en-US" baseline="0" dirty="0" smtClean="0"/>
-              <a:t>71.6%</a:t>
+              <a:rPr lang="en-US" dirty="0" smtClean="0">
+                <a:sym typeface="Wingdings"/>
+              </a:rPr>
+              <a:t>USDA data</a:t>
+            </a:r>
+          </a:p>
+          <a:p>
+            <a:pPr marL="1085850" lvl="2" indent="-171450">
+              <a:buFontTx/>
+              <a:buChar char="-"/>
+            </a:pPr>
+            <a:r>
+              <a:rPr lang="en-US" dirty="0" smtClean="0">
+                <a:sym typeface="Wingdings"/>
+              </a:rPr>
+              <a:t>Fast food</a:t>
             </a:r>
             <a:endParaRPr lang="en-US" dirty="0" smtClean="0"/>
           </a:p>
           <a:p>
-            <a:r>
-              <a:rPr lang="en-US" dirty="0" smtClean="0"/>
-              <a:t>Point out</a:t>
-            </a:r>
-            <a:r>
-              <a:rPr lang="en-US" baseline="0" dirty="0" smtClean="0"/>
-              <a:t> some states: Florida, Maine, California dropped.</a:t>
-            </a:r>
-          </a:p>
-          <a:p>
-            <a:pPr marL="0" marR="0" indent="0" algn="l" defTabSz="457200" rtl="0" eaLnBrk="1" fontAlgn="auto" latinLnBrk="0" hangingPunct="1">
-              <a:lnSpc>
-                <a:spcPct val="100000"/>
-              </a:lnSpc>
-              <a:spcBef>
-                <a:spcPts val="0"/>
-              </a:spcBef>
-              <a:spcAft>
-                <a:spcPts val="0"/>
-              </a:spcAft>
-              <a:buClrTx/>
-              <a:buSzTx/>
-              <a:buFontTx/>
-              <a:buNone/>
-              <a:tabLst/>
-              <a:defRPr/>
-            </a:pPr>
-            <a:r>
-              <a:rPr lang="en-US" dirty="0" smtClean="0"/>
-              <a:t>Point out</a:t>
-            </a:r>
-            <a:r>
-              <a:rPr lang="en-US" baseline="0" dirty="0" smtClean="0"/>
-              <a:t> some states: North Dakota, South Dakota, Nebraska increased.</a:t>
-            </a:r>
-          </a:p>
-          <a:p>
-            <a:endParaRPr lang="en-US" dirty="0" smtClean="0"/>
-          </a:p>
-          <a:p>
-            <a:r>
-              <a:rPr lang="en-US" dirty="0" smtClean="0"/>
-              <a:t>&lt; Demo of US map in</a:t>
-            </a:r>
-            <a:r>
-              <a:rPr lang="en-US" baseline="0" dirty="0" smtClean="0"/>
-              <a:t> 2016 &gt;</a:t>
-            </a:r>
             <a:endParaRPr lang="en-US" dirty="0"/>
           </a:p>
         </p:txBody>
@@ -1035,7 +1086,7 @@
           <a:p>
             <a:fld id="{12DC347B-7FAC-1B42-8207-C55C9726B358}" type="slidenum">
               <a:rPr lang="en-US" smtClean="0"/>
-              <a:t>4</a:t>
+              <a:t>3</a:t>
             </a:fld>
             <a:endParaRPr lang="en-US"/>
           </a:p>
@@ -1044,7 +1095,7 @@
     </p:spTree>
     <p:extLst>
       <p:ext uri="{BB962C8B-B14F-4D97-AF65-F5344CB8AC3E}">
-        <p14:creationId xmlns:p14="http://schemas.microsoft.com/office/powerpoint/2010/main" val="1185656782"/>
+        <p14:creationId xmlns:p14="http://schemas.microsoft.com/office/powerpoint/2010/main" val="4283793742"/>
       </p:ext>
     </p:extLst>
   </p:cSld>
@@ -1100,19 +1151,136 @@
           <a:p>
             <a:r>
               <a:rPr lang="en-US" dirty="0" smtClean="0"/>
-              <a:t>Graph</a:t>
+              <a:t>Very slight shift </a:t>
+            </a:r>
+            <a:r>
+              <a:rPr lang="en-US" dirty="0" smtClean="0"/>
+              <a:t>increase in obesity from</a:t>
             </a:r>
             <a:r>
               <a:rPr lang="en-US" baseline="0" dirty="0" smtClean="0"/>
-              <a:t> of highest ranked obesity and </a:t>
+              <a:t> </a:t>
             </a:r>
             <a:r>
               <a:rPr lang="en-US" baseline="0" dirty="0" smtClean="0"/>
-              <a:t>one lowest </a:t>
+              <a:t>2011 to 2016 </a:t>
+            </a:r>
+            <a:r>
+              <a:rPr lang="en-US" dirty="0" smtClean="0"/>
+              <a:t>about 1-2 %</a:t>
+            </a:r>
+          </a:p>
+          <a:p>
+            <a:r>
+              <a:rPr lang="en-US" dirty="0" smtClean="0"/>
+              <a:t>Min value for 2011 is </a:t>
+            </a:r>
+            <a:r>
+              <a:rPr lang="en-US" dirty="0" smtClean="0"/>
+              <a:t>55.85 </a:t>
+            </a:r>
+            <a:r>
+              <a:rPr lang="en-US" dirty="0" smtClean="0"/>
+              <a:t>and in</a:t>
             </a:r>
             <a:r>
               <a:rPr lang="en-US" baseline="0" dirty="0" smtClean="0"/>
-              <a:t>ranked state</a:t>
+              <a:t> 2016 it’s </a:t>
+            </a:r>
+            <a:r>
+              <a:rPr lang="en-US" baseline="0" dirty="0" smtClean="0"/>
+              <a:t>57.95</a:t>
+            </a:r>
+            <a:endParaRPr lang="en-US" baseline="0" dirty="0" smtClean="0"/>
+          </a:p>
+          <a:p>
+            <a:pPr marL="0" marR="0" indent="0" algn="l" defTabSz="457200" rtl="0" eaLnBrk="1" fontAlgn="auto" latinLnBrk="0" hangingPunct="1">
+              <a:lnSpc>
+                <a:spcPct val="100000"/>
+              </a:lnSpc>
+              <a:spcBef>
+                <a:spcPts val="0"/>
+              </a:spcBef>
+              <a:spcAft>
+                <a:spcPts val="0"/>
+              </a:spcAft>
+              <a:buClrTx/>
+              <a:buSzTx/>
+              <a:buFontTx/>
+              <a:buNone/>
+              <a:tabLst/>
+              <a:defRPr/>
+            </a:pPr>
+            <a:r>
+              <a:rPr lang="en-US" dirty="0" smtClean="0"/>
+              <a:t>Max value for 2011 is </a:t>
+            </a:r>
+            <a:r>
+              <a:rPr lang="en-US" dirty="0" smtClean="0"/>
+              <a:t>69.1% </a:t>
+            </a:r>
+            <a:r>
+              <a:rPr lang="en-US" dirty="0" smtClean="0"/>
+              <a:t>and in</a:t>
+            </a:r>
+            <a:r>
+              <a:rPr lang="en-US" baseline="0" dirty="0" smtClean="0"/>
+              <a:t> 2016 it’s </a:t>
+            </a:r>
+            <a:r>
+              <a:rPr lang="en-US" baseline="0" dirty="0" smtClean="0"/>
+              <a:t>71.6%</a:t>
+            </a:r>
+            <a:endParaRPr lang="en-US" dirty="0" smtClean="0"/>
+          </a:p>
+          <a:p>
+            <a:r>
+              <a:rPr lang="en-US" dirty="0" smtClean="0"/>
+              <a:t>Point out</a:t>
+            </a:r>
+            <a:r>
+              <a:rPr lang="en-US" baseline="0" dirty="0" smtClean="0"/>
+              <a:t> some states: Florida, Maine, California dropped.</a:t>
+            </a:r>
+          </a:p>
+          <a:p>
+            <a:pPr marL="0" marR="0" indent="0" algn="l" defTabSz="457200" rtl="0" eaLnBrk="1" fontAlgn="auto" latinLnBrk="0" hangingPunct="1">
+              <a:lnSpc>
+                <a:spcPct val="100000"/>
+              </a:lnSpc>
+              <a:spcBef>
+                <a:spcPts val="0"/>
+              </a:spcBef>
+              <a:spcAft>
+                <a:spcPts val="0"/>
+              </a:spcAft>
+              <a:buClrTx/>
+              <a:buSzTx/>
+              <a:buFontTx/>
+              <a:buNone/>
+              <a:tabLst/>
+              <a:defRPr/>
+            </a:pPr>
+            <a:r>
+              <a:rPr lang="en-US" dirty="0" smtClean="0"/>
+              <a:t>Point out</a:t>
+            </a:r>
+            <a:r>
+              <a:rPr lang="en-US" baseline="0" dirty="0" smtClean="0"/>
+              <a:t> some states: North Dakota, South Dakota, Nebraska increased.</a:t>
+            </a:r>
+          </a:p>
+          <a:p>
+            <a:endParaRPr lang="en-US" dirty="0" smtClean="0"/>
+          </a:p>
+          <a:p>
+            <a:r>
+              <a:rPr lang="en-US" dirty="0" smtClean="0"/>
+              <a:t>&lt; Demo of US map in</a:t>
+            </a:r>
+            <a:r>
+              <a:rPr lang="en-US" baseline="0" dirty="0" smtClean="0"/>
+              <a:t> 2016 &gt;</a:t>
             </a:r>
             <a:endParaRPr lang="en-US" dirty="0"/>
           </a:p>
@@ -1135,7 +1303,7 @@
           <a:p>
             <a:fld id="{12DC347B-7FAC-1B42-8207-C55C9726B358}" type="slidenum">
               <a:rPr lang="en-US" smtClean="0"/>
-              <a:t>5</a:t>
+              <a:t>4</a:t>
             </a:fld>
             <a:endParaRPr lang="en-US"/>
           </a:p>
@@ -1144,7 +1312,7 @@
     </p:spTree>
     <p:extLst>
       <p:ext uri="{BB962C8B-B14F-4D97-AF65-F5344CB8AC3E}">
-        <p14:creationId xmlns:p14="http://schemas.microsoft.com/office/powerpoint/2010/main" val="1710841644"/>
+        <p14:creationId xmlns:p14="http://schemas.microsoft.com/office/powerpoint/2010/main" val="1185656782"/>
       </p:ext>
     </p:extLst>
   </p:cSld>
@@ -1200,6 +1368,106 @@
           <a:p>
             <a:r>
               <a:rPr lang="en-US" dirty="0" smtClean="0"/>
+              <a:t>Graph</a:t>
+            </a:r>
+            <a:r>
+              <a:rPr lang="en-US" baseline="0" dirty="0" smtClean="0"/>
+              <a:t> of highest ranked obesity and </a:t>
+            </a:r>
+            <a:r>
+              <a:rPr lang="en-US" baseline="0" dirty="0" smtClean="0"/>
+              <a:t>one lowest </a:t>
+            </a:r>
+            <a:r>
+              <a:rPr lang="en-US" baseline="0" dirty="0" smtClean="0"/>
+              <a:t>ranked state</a:t>
+            </a:r>
+            <a:endParaRPr lang="en-US" dirty="0"/>
+          </a:p>
+        </p:txBody>
+      </p:sp>
+      <p:sp>
+        <p:nvSpPr>
+          <p:cNvPr id="4" name="Slide Number Placeholder 3"/>
+          <p:cNvSpPr>
+            <a:spLocks noGrp="1"/>
+          </p:cNvSpPr>
+          <p:nvPr>
+            <p:ph type="sldNum" sz="quarter" idx="10"/>
+          </p:nvPr>
+        </p:nvSpPr>
+        <p:spPr/>
+        <p:txBody>
+          <a:bodyPr/>
+          <a:lstStyle/>
+          <a:p>
+            <a:fld id="{12DC347B-7FAC-1B42-8207-C55C9726B358}" type="slidenum">
+              <a:rPr lang="en-US" smtClean="0"/>
+              <a:t>5</a:t>
+            </a:fld>
+            <a:endParaRPr lang="en-US"/>
+          </a:p>
+        </p:txBody>
+      </p:sp>
+    </p:spTree>
+    <p:extLst>
+      <p:ext uri="{BB962C8B-B14F-4D97-AF65-F5344CB8AC3E}">
+        <p14:creationId xmlns:p14="http://schemas.microsoft.com/office/powerpoint/2010/main" val="1710841644"/>
+      </p:ext>
+    </p:extLst>
+  </p:cSld>
+  <p:clrMapOvr>
+    <a:masterClrMapping/>
+  </p:clrMapOvr>
+</p:notes>
+</file>
+
+<file path=ppt/notesSlides/notesSlide6.xml><?xml version="1.0" encoding="utf-8"?>
+<p:notes xmlns:a="http://schemas.openxmlformats.org/drawingml/2006/main" xmlns:r="http://schemas.openxmlformats.org/officeDocument/2006/relationships" xmlns:p="http://schemas.openxmlformats.org/presentationml/2006/main">
+  <p:cSld>
+    <p:spTree>
+      <p:nvGrpSpPr>
+        <p:cNvPr id="1" name=""/>
+        <p:cNvGrpSpPr/>
+        <p:nvPr/>
+      </p:nvGrpSpPr>
+      <p:grpSpPr>
+        <a:xfrm>
+          <a:off x="0" y="0"/>
+          <a:ext cx="0" cy="0"/>
+          <a:chOff x="0" y="0"/>
+          <a:chExt cx="0" cy="0"/>
+        </a:xfrm>
+      </p:grpSpPr>
+      <p:sp>
+        <p:nvSpPr>
+          <p:cNvPr id="2" name="Slide Image Placeholder 1"/>
+          <p:cNvSpPr>
+            <a:spLocks noGrp="1" noRot="1" noChangeAspect="1"/>
+          </p:cNvSpPr>
+          <p:nvPr>
+            <p:ph type="sldImg"/>
+          </p:nvPr>
+        </p:nvSpPr>
+        <p:spPr/>
+      </p:sp>
+      <p:sp>
+        <p:nvSpPr>
+          <p:cNvPr id="3" name="Notes Placeholder 2"/>
+          <p:cNvSpPr>
+            <a:spLocks noGrp="1"/>
+          </p:cNvSpPr>
+          <p:nvPr>
+            <p:ph type="body" idx="1"/>
+          </p:nvPr>
+        </p:nvSpPr>
+        <p:spPr/>
+        <p:txBody>
+          <a:bodyPr/>
+          <a:lstStyle/>
+          <a:p>
+            <a:r>
+              <a:rPr lang="en-US" dirty="0" smtClean="0"/>
               <a:t>&lt; Demo of Dynamic Graph&gt;</a:t>
             </a:r>
           </a:p>
@@ -1314,7 +1582,7 @@
 </p:notes>
 </file>
 
-<file path=ppt/notesSlides/notesSlide6.xml><?xml version="1.0" encoding="utf-8"?>
+<file path=ppt/notesSlides/notesSlide7.xml><?xml version="1.0" encoding="utf-8"?>
 <p:notes xmlns:a="http://schemas.openxmlformats.org/drawingml/2006/main" xmlns:r="http://schemas.openxmlformats.org/officeDocument/2006/relationships" xmlns:p="http://schemas.openxmlformats.org/presentationml/2006/main">
   <p:cSld>
     <p:spTree>
@@ -6208,7 +6476,7 @@
       </p:sp>
       <p:pic>
         <p:nvPicPr>
-          <p:cNvPr id="7" name="Picture 6"/>
+          <p:cNvPr id="12" name="Picture 11"/>
           <p:cNvPicPr>
             <a:picLocks noChangeAspect="1"/>
           </p:cNvPicPr>
@@ -6222,36 +6490,12 @@
         </p:blipFill>
         <p:spPr>
           <a:xfrm>
-            <a:off x="1871794" y="960623"/>
-            <a:ext cx="4771435" cy="2247098"/>
+            <a:off x="1281183" y="1360714"/>
+            <a:ext cx="6629102" cy="4408714"/>
           </a:xfrm>
           <a:prstGeom prst="rect">
             <a:avLst/>
           </a:prstGeom>
-        </p:spPr>
-      </p:pic>
-      <p:pic>
-        <p:nvPicPr>
-          <p:cNvPr id="8" name="Content Placeholder 7"/>
-          <p:cNvPicPr>
-            <a:picLocks noGrp="1" noChangeAspect="1"/>
-          </p:cNvPicPr>
-          <p:nvPr>
-            <p:ph idx="1"/>
-          </p:nvPr>
-        </p:nvPicPr>
-        <p:blipFill>
-          <a:blip r:embed="rId4"/>
-          <a:srcRect l="-31852" r="-31852"/>
-          <a:stretch>
-            <a:fillRect/>
-          </a:stretch>
-        </p:blipFill>
-        <p:spPr>
-          <a:xfrm>
-            <a:off x="976883" y="3342428"/>
-            <a:ext cx="6844225" cy="3257743"/>
-          </a:xfrm>
         </p:spPr>
       </p:pic>
     </p:spTree>

--- a/Presentation1.pptx
+++ b/Presentation1.pptx
@@ -1,8 +1,8 @@
 
 <file path=ppt/presentation.xml><?xml version="1.0" encoding="utf-8"?>
-<p:presentation xmlns:a="http://schemas.openxmlformats.org/drawingml/2006/main" xmlns:r="http://schemas.openxmlformats.org/officeDocument/2006/relationships" xmlns:p="http://schemas.openxmlformats.org/presentationml/2006/main" showSpecialPlsOnTitleSld="0" saveSubsetFonts="1">
+<p:presentation xmlns:a="http://schemas.openxmlformats.org/drawingml/2006/main" xmlns:r="http://schemas.openxmlformats.org/officeDocument/2006/relationships" xmlns:mc="http://schemas.openxmlformats.org/markup-compatibility/2006" xmlns:mv="urn:schemas-microsoft-com:mac:vml" xmlns:p="http://schemas.openxmlformats.org/presentationml/2006/main" mc:Ignorable="mv" mc:PreserveAttributes="mv:*" showSpecialPlsOnTitleSld="0" saveSubsetFonts="1">
   <p:sldMasterIdLst>
-    <p:sldMasterId id="2147483648" r:id="rId1"/>
+    <p:sldMasterId r:id="rId1"/>
   </p:sldMasterIdLst>
   <p:notesMasterIdLst>
     <p:notesMasterId r:id="rId11"/>
@@ -119,7 +119,7 @@
 </file>
 
 <file path=ppt/notesMasters/notesMaster1.xml><?xml version="1.0" encoding="utf-8"?>
-<p:notesMaster xmlns:a="http://schemas.openxmlformats.org/drawingml/2006/main" xmlns:r="http://schemas.openxmlformats.org/officeDocument/2006/relationships" xmlns:p="http://schemas.openxmlformats.org/presentationml/2006/main">
+<p:notesMaster xmlns:a="http://schemas.openxmlformats.org/drawingml/2006/main" xmlns:r="http://schemas.openxmlformats.org/officeDocument/2006/relationships" xmlns:mc="http://schemas.openxmlformats.org/markup-compatibility/2006" xmlns:mv="urn:schemas-microsoft-com:mac:vml" xmlns:p="http://schemas.openxmlformats.org/presentationml/2006/main" mc:Ignorable="mv" mc:PreserveAttributes="mv:*">
   <p:cSld>
     <p:bg>
       <p:bgRef idx="1001">
@@ -200,7 +200,8 @@
           <a:p>
             <a:fld id="{37EB64AA-AFC0-884F-99AD-18BCF95FE2B2}" type="datetimeFigureOut">
               <a:rPr lang="en-US" smtClean="0"/>
-              <a:t>11/3/18</a:t>
+              <a:pPr/>
+              <a:t>11/4/18</a:t>
             </a:fld>
             <a:endParaRPr lang="en-US"/>
           </a:p>
@@ -359,6 +360,7 @@
           <a:p>
             <a:fld id="{12DC347B-7FAC-1B42-8207-C55C9726B358}" type="slidenum">
               <a:rPr lang="en-US" smtClean="0"/>
+              <a:pPr/>
               <a:t>‹#›</a:t>
             </a:fld>
             <a:endParaRPr lang="en-US"/>
@@ -368,7 +370,7 @@
     </p:spTree>
     <p:extLst>
       <p:ext uri="{BB962C8B-B14F-4D97-AF65-F5344CB8AC3E}">
-        <p14:creationId xmlns:p14="http://schemas.microsoft.com/office/powerpoint/2010/main" val="1397762349"/>
+        <p14:creationId xmlns:p14="http://schemas.microsoft.com/office/powerpoint/2010/main" xmlns:p="http://schemas.openxmlformats.org/presentationml/2006/main" xmlns:r="http://schemas.openxmlformats.org/officeDocument/2006/relationships" xmlns:a="http://schemas.openxmlformats.org/drawingml/2006/main" xmlns="" val="1397762349"/>
       </p:ext>
     </p:extLst>
   </p:cSld>
@@ -469,7 +471,7 @@
 </file>
 
 <file path=ppt/notesSlides/notesSlide1.xml><?xml version="1.0" encoding="utf-8"?>
-<p:notes xmlns:a="http://schemas.openxmlformats.org/drawingml/2006/main" xmlns:r="http://schemas.openxmlformats.org/officeDocument/2006/relationships" xmlns:p="http://schemas.openxmlformats.org/presentationml/2006/main">
+<p:notes xmlns:a="http://schemas.openxmlformats.org/drawingml/2006/main" xmlns:r="http://schemas.openxmlformats.org/officeDocument/2006/relationships" xmlns:mc="http://schemas.openxmlformats.org/markup-compatibility/2006" xmlns:mv="urn:schemas-microsoft-com:mac:vml" xmlns:p="http://schemas.openxmlformats.org/presentationml/2006/main" mc:Ignorable="mv" mc:PreserveAttributes="mv:*">
   <p:cSld>
     <p:spTree>
       <p:nvGrpSpPr>
@@ -518,13 +520,21 @@
             </a:r>
             <a:r>
               <a:rPr lang="en-US" baseline="0" dirty="0" smtClean="0"/>
-              <a:t> students of the UCLA Intensive Data Science extension program.</a:t>
-            </a:r>
-          </a:p>
-          <a:p>
+              <a:t> students of the UCLA Intensive Data Science extension </a:t>
+            </a:r>
             <a:r>
               <a:rPr lang="en-US" baseline="0" dirty="0" smtClean="0"/>
-              <a:t>Lori:  My name is Lori Kim and this</a:t>
+              <a:t>program and we wanted to display a little bit of what we learned, so far, from our program with this project.</a:t>
+            </a:r>
+          </a:p>
+          <a:p>
+            <a:r>
+              <a:rPr lang="en-US" baseline="0" dirty="0" smtClean="0"/>
+              <a:t>Lori:  My name is Lori Kim </a:t>
+            </a:r>
+            <a:r>
+              <a:rPr lang="en-US" baseline="0" dirty="0" smtClean="0"/>
+              <a:t>and</a:t>
             </a:r>
           </a:p>
           <a:p>
@@ -539,7 +549,11 @@
           <a:p>
             <a:r>
               <a:rPr lang="en-US" baseline="0" dirty="0" smtClean="0"/>
-              <a:t>We focused on the question of obesity.</a:t>
+              <a:t>Our project focuses on </a:t>
+            </a:r>
+            <a:r>
+              <a:rPr lang="en-US" baseline="0" dirty="0" smtClean="0"/>
+              <a:t>the question of obesity.</a:t>
             </a:r>
           </a:p>
         </p:txBody>
@@ -561,6 +575,7 @@
           <a:p>
             <a:fld id="{12DC347B-7FAC-1B42-8207-C55C9726B358}" type="slidenum">
               <a:rPr lang="en-US" smtClean="0"/>
+              <a:pPr/>
               <a:t>1</a:t>
             </a:fld>
             <a:endParaRPr lang="en-US"/>
@@ -570,7 +585,7 @@
     </p:spTree>
     <p:extLst>
       <p:ext uri="{BB962C8B-B14F-4D97-AF65-F5344CB8AC3E}">
-        <p14:creationId xmlns:p14="http://schemas.microsoft.com/office/powerpoint/2010/main" val="3637390573"/>
+        <p14:creationId xmlns:p14="http://schemas.microsoft.com/office/powerpoint/2010/main" xmlns:p="http://schemas.openxmlformats.org/presentationml/2006/main" xmlns:r="http://schemas.openxmlformats.org/officeDocument/2006/relationships" xmlns:a="http://schemas.openxmlformats.org/drawingml/2006/main" xmlns="" val="3637390573"/>
       </p:ext>
     </p:extLst>
   </p:cSld>
@@ -581,7 +596,7 @@
 </file>
 
 <file path=ppt/notesSlides/notesSlide2.xml><?xml version="1.0" encoding="utf-8"?>
-<p:notes xmlns:a="http://schemas.openxmlformats.org/drawingml/2006/main" xmlns:r="http://schemas.openxmlformats.org/officeDocument/2006/relationships" xmlns:p="http://schemas.openxmlformats.org/presentationml/2006/main">
+<p:notes xmlns:a="http://schemas.openxmlformats.org/drawingml/2006/main" xmlns:r="http://schemas.openxmlformats.org/officeDocument/2006/relationships" xmlns:mc="http://schemas.openxmlformats.org/markup-compatibility/2006" xmlns:mv="urn:schemas-microsoft-com:mac:vml" xmlns:p="http://schemas.openxmlformats.org/presentationml/2006/main" mc:Ignorable="mv" mc:PreserveAttributes="mv:*">
   <p:cSld>
     <p:spTree>
       <p:nvGrpSpPr>
@@ -643,7 +658,11 @@
             </a:pPr>
             <a:r>
               <a:rPr lang="en-US" baseline="0" dirty="0" smtClean="0"/>
-              <a:t>Now what is obesity?  </a:t>
+              <a:t>Now what is obesity</a:t>
+            </a:r>
+            <a:r>
+              <a:rPr lang="en-US" baseline="0" dirty="0" smtClean="0"/>
+              <a:t>?</a:t>
             </a:r>
           </a:p>
           <a:p>
@@ -666,7 +685,7 @@
             </a:pPr>
             <a:r>
               <a:rPr lang="en-US" baseline="0" dirty="0" smtClean="0"/>
-              <a:t>Obesity is one of the categories that classifies weight based on BMI.</a:t>
+              <a:t>Well obesity is one of the classifications for weight measured by BMI. As you see on the slide, the other classifications of weight: are underweight, normal, overweight, and extremely obese.</a:t>
             </a:r>
           </a:p>
           <a:p>
@@ -689,8 +708,13 @@
             </a:pPr>
             <a:r>
               <a:rPr lang="en-US" baseline="0" dirty="0" smtClean="0"/>
-              <a:t>BMI is a calculation of a person’s weight in kg divided by the person’s squared height in meters.</a:t>
-            </a:r>
+              <a:t>The measurement for these classifications are based off of an individual’s BMI, which is calculated by the person’s </a:t>
+            </a:r>
+            <a:r>
+              <a:rPr lang="en-US" baseline="0" dirty="0" smtClean="0"/>
+              <a:t>weight in kg divided by the person’s squared height in meters.</a:t>
+            </a:r>
+            <a:endParaRPr lang="en-US" baseline="0" dirty="0" smtClean="0"/>
           </a:p>
           <a:p>
             <a:pPr marL="0" marR="0" indent="0" algn="l" defTabSz="457200" rtl="0" eaLnBrk="1" fontAlgn="auto" latinLnBrk="0" hangingPunct="1">
@@ -712,7 +736,23 @@
             </a:pPr>
             <a:r>
               <a:rPr lang="en-US" baseline="0" dirty="0" smtClean="0"/>
-              <a:t>The other classifications for weight are underweight, normal, overweight, and extremely obese</a:t>
+              <a:t>And </a:t>
+            </a:r>
+            <a:r>
+              <a:rPr lang="en-US" baseline="0" dirty="0" smtClean="0"/>
+              <a:t>a person</a:t>
+            </a:r>
+            <a:r>
+              <a:rPr lang="en-US" baseline="0" dirty="0" smtClean="0"/>
+              <a:t> would be </a:t>
+            </a:r>
+            <a:r>
+              <a:rPr lang="en-US" baseline="0" dirty="0" smtClean="0"/>
+              <a:t>classified as obese if their BMI is between 30 to </a:t>
+            </a:r>
+            <a:r>
+              <a:rPr lang="en-US" baseline="0" dirty="0" smtClean="0"/>
+              <a:t>34.9</a:t>
             </a:r>
           </a:p>
           <a:p>
@@ -733,9 +773,52 @@
               <a:tabLst/>
               <a:defRPr/>
             </a:pPr>
+            <a:endParaRPr lang="en-US" baseline="0" dirty="0" smtClean="0"/>
+          </a:p>
+          <a:p>
+            <a:pPr marL="0" marR="0" indent="0" algn="l" defTabSz="457200" rtl="0" eaLnBrk="1" fontAlgn="auto" latinLnBrk="0" hangingPunct="1">
+              <a:lnSpc>
+                <a:spcPct val="100000"/>
+              </a:lnSpc>
+              <a:spcBef>
+                <a:spcPts val="0"/>
+              </a:spcBef>
+              <a:spcAft>
+                <a:spcPts val="0"/>
+              </a:spcAft>
+              <a:buClrTx/>
+              <a:buSzTx/>
+              <a:buFontTx/>
+              <a:buNone/>
+              <a:tabLst/>
+              <a:defRPr/>
+            </a:pPr>
             <a:r>
               <a:rPr lang="en-US" baseline="0" dirty="0" smtClean="0"/>
-              <a:t>And a person is classified as obese if their BMI is between 30 to 34.9</a:t>
+              <a:t>So, we decided to focus on obesity because we were questioning the trend of obesity; whether or not it’s growing in the US.</a:t>
+            </a:r>
+          </a:p>
+          <a:p>
+            <a:pPr marL="0" marR="0" indent="0" algn="l" defTabSz="457200" rtl="0" eaLnBrk="1" fontAlgn="auto" latinLnBrk="0" hangingPunct="1">
+              <a:lnSpc>
+                <a:spcPct val="100000"/>
+              </a:lnSpc>
+              <a:spcBef>
+                <a:spcPts val="0"/>
+              </a:spcBef>
+              <a:spcAft>
+                <a:spcPts val="0"/>
+              </a:spcAft>
+              <a:buClrTx/>
+              <a:buSzTx/>
+              <a:buFontTx/>
+              <a:buNone/>
+              <a:tabLst/>
+              <a:defRPr/>
+            </a:pPr>
+            <a:r>
+              <a:rPr lang="en-US" baseline="0" dirty="0" smtClean="0"/>
+              <a:t>The big question we asked ourselves is: is there a growing trend in obesity? And if it is, what are some of the factors causing this trend?</a:t>
             </a:r>
           </a:p>
           <a:p>
@@ -818,11 +901,7 @@
             </a:pPr>
             <a:r>
               <a:rPr lang="en-US" baseline="0" dirty="0" smtClean="0"/>
-              <a:t>- BMI </a:t>
-            </a:r>
-            <a:r>
-              <a:rPr lang="en-US" baseline="0" dirty="0" smtClean="0"/>
-              <a:t>= body mass index = </a:t>
+              <a:t>- BMI = body mass index = </a:t>
             </a:r>
             <a:r>
               <a:rPr lang="en-US" dirty="0" smtClean="0"/>
@@ -850,7 +929,15 @@
             </a:pPr>
             <a:r>
               <a:rPr lang="en-US" baseline="0" dirty="0" smtClean="0"/>
-              <a:t>Big question to ask: Why is the US growing more obese and what are its factors</a:t>
+              <a:t>Big question to ask: </a:t>
+            </a:r>
+            <a:r>
+              <a:rPr lang="en-US" baseline="0" dirty="0" smtClean="0"/>
+              <a:t>Why </a:t>
+            </a:r>
+            <a:r>
+              <a:rPr lang="en-US" baseline="0" dirty="0" smtClean="0"/>
+              <a:t>is the US growing more obese and what are its factors</a:t>
             </a:r>
             <a:endParaRPr lang="en-US" dirty="0"/>
           </a:p>
@@ -873,6 +960,7 @@
           <a:p>
             <a:fld id="{12DC347B-7FAC-1B42-8207-C55C9726B358}" type="slidenum">
               <a:rPr lang="en-US" smtClean="0"/>
+              <a:pPr/>
               <a:t>2</a:t>
             </a:fld>
             <a:endParaRPr lang="en-US"/>
@@ -882,7 +970,7 @@
     </p:spTree>
     <p:extLst>
       <p:ext uri="{BB962C8B-B14F-4D97-AF65-F5344CB8AC3E}">
-        <p14:creationId xmlns:p14="http://schemas.microsoft.com/office/powerpoint/2010/main" val="1065789768"/>
+        <p14:creationId xmlns:p14="http://schemas.microsoft.com/office/powerpoint/2010/main" xmlns:p="http://schemas.openxmlformats.org/presentationml/2006/main" xmlns:r="http://schemas.openxmlformats.org/officeDocument/2006/relationships" xmlns:a="http://schemas.openxmlformats.org/drawingml/2006/main" xmlns="" val="1065789768"/>
       </p:ext>
     </p:extLst>
   </p:cSld>
@@ -893,7 +981,7 @@
 </file>
 
 <file path=ppt/notesSlides/notesSlide3.xml><?xml version="1.0" encoding="utf-8"?>
-<p:notes xmlns:a="http://schemas.openxmlformats.org/drawingml/2006/main" xmlns:r="http://schemas.openxmlformats.org/officeDocument/2006/relationships" xmlns:p="http://schemas.openxmlformats.org/presentationml/2006/main">
+<p:notes xmlns:a="http://schemas.openxmlformats.org/drawingml/2006/main" xmlns:r="http://schemas.openxmlformats.org/officeDocument/2006/relationships" xmlns:mc="http://schemas.openxmlformats.org/markup-compatibility/2006" xmlns:mv="urn:schemas-microsoft-com:mac:vml" xmlns:p="http://schemas.openxmlformats.org/presentationml/2006/main" mc:Ignorable="mv" mc:PreserveAttributes="mv:*">
   <p:cSld>
     <p:spTree>
       <p:nvGrpSpPr>
@@ -942,7 +1030,57 @@
             </a:pPr>
             <a:r>
               <a:rPr lang="en-US" sz="1800" dirty="0" smtClean="0"/>
-              <a:t>- CDC Data Values:</a:t>
+              <a:t>Some</a:t>
+            </a:r>
+            <a:r>
+              <a:rPr lang="en-US" sz="1800" baseline="0" dirty="0" smtClean="0"/>
+              <a:t> of the data points we decided to analyze to find a correlation with obesity was</a:t>
+            </a:r>
+            <a:r>
+              <a:rPr lang="en-US" sz="1800" dirty="0" smtClean="0"/>
+              <a:t> the</a:t>
+            </a:r>
+            <a:r>
+              <a:rPr lang="en-US" sz="1800" baseline="0" dirty="0" smtClean="0"/>
+              <a:t> </a:t>
+            </a:r>
+            <a:r>
+              <a:rPr lang="en-US" sz="1800" dirty="0" smtClean="0"/>
+              <a:t>percent</a:t>
+            </a:r>
+            <a:r>
+              <a:rPr lang="en-US" sz="1800" baseline="0" dirty="0" smtClean="0"/>
+              <a:t> population</a:t>
+            </a:r>
+            <a:r>
+              <a:rPr lang="en-US" sz="1800" dirty="0" smtClean="0"/>
+              <a:t> of people in poverty</a:t>
+            </a:r>
+            <a:r>
+              <a:rPr lang="en-US" sz="1800" baseline="0" dirty="0" smtClean="0"/>
+              <a:t>, who were inactive, had diabetes, who exercised 300 minutes a week, and we also analyzed the average educational attainment of adults and the growth of fast food restaurants by state between the years 2011-2016. The sources for these data points came from the CDC, the United States Census Bureau, and the USDA datasets</a:t>
+            </a:r>
+            <a:endParaRPr lang="en-US" sz="1800" dirty="0" smtClean="0"/>
+          </a:p>
+          <a:p>
+            <a:pPr>
+              <a:buFont typeface="Arial"/>
+              <a:buNone/>
+            </a:pPr>
+            <a:endParaRPr lang="en-US" sz="1800" dirty="0" smtClean="0"/>
+          </a:p>
+          <a:p>
+            <a:pPr>
+              <a:buFont typeface="Arial"/>
+              <a:buNone/>
+            </a:pPr>
+            <a:r>
+              <a:rPr lang="en-US" sz="1800" dirty="0" smtClean="0"/>
+              <a:t>- </a:t>
+            </a:r>
+            <a:r>
+              <a:rPr lang="en-US" sz="1800" dirty="0" smtClean="0"/>
+              <a:t>CDC Data Values:</a:t>
             </a:r>
           </a:p>
           <a:p>
@@ -1024,19 +1162,7 @@
               <a:rPr lang="en-US" dirty="0" smtClean="0">
                 <a:sym typeface="Wingdings"/>
               </a:rPr>
-              <a:t>CHCI </a:t>
-            </a:r>
-            <a:r>
-              <a:rPr lang="en-US" dirty="0" smtClean="0">
-                <a:sym typeface="Wingdings"/>
-              </a:rPr>
-              <a:t>(calculated</a:t>
-            </a:r>
-            <a:r>
-              <a:rPr lang="en-US" dirty="0" smtClean="0">
-                <a:sym typeface="Wingdings"/>
-              </a:rPr>
-              <a:t>)</a:t>
+              <a:t>CHCI (calculated)</a:t>
             </a:r>
           </a:p>
           <a:p>
@@ -1086,6 +1212,7 @@
           <a:p>
             <a:fld id="{12DC347B-7FAC-1B42-8207-C55C9726B358}" type="slidenum">
               <a:rPr lang="en-US" smtClean="0"/>
+              <a:pPr/>
               <a:t>3</a:t>
             </a:fld>
             <a:endParaRPr lang="en-US"/>
@@ -1095,7 +1222,7 @@
     </p:spTree>
     <p:extLst>
       <p:ext uri="{BB962C8B-B14F-4D97-AF65-F5344CB8AC3E}">
-        <p14:creationId xmlns:p14="http://schemas.microsoft.com/office/powerpoint/2010/main" val="4283793742"/>
+        <p14:creationId xmlns:p14="http://schemas.microsoft.com/office/powerpoint/2010/main" xmlns:p="http://schemas.openxmlformats.org/presentationml/2006/main" xmlns:r="http://schemas.openxmlformats.org/officeDocument/2006/relationships" xmlns:a="http://schemas.openxmlformats.org/drawingml/2006/main" xmlns="" val="4283793742"/>
       </p:ext>
     </p:extLst>
   </p:cSld>
@@ -1106,7 +1233,7 @@
 </file>
 
 <file path=ppt/notesSlides/notesSlide4.xml><?xml version="1.0" encoding="utf-8"?>
-<p:notes xmlns:a="http://schemas.openxmlformats.org/drawingml/2006/main" xmlns:r="http://schemas.openxmlformats.org/officeDocument/2006/relationships" xmlns:p="http://schemas.openxmlformats.org/presentationml/2006/main">
+<p:notes xmlns:a="http://schemas.openxmlformats.org/drawingml/2006/main" xmlns:r="http://schemas.openxmlformats.org/officeDocument/2006/relationships" xmlns:mc="http://schemas.openxmlformats.org/markup-compatibility/2006" xmlns:mv="urn:schemas-microsoft-com:mac:vml" xmlns:p="http://schemas.openxmlformats.org/presentationml/2006/main" mc:Ignorable="mv" mc:PreserveAttributes="mv:*">
   <p:cSld>
     <p:spTree>
       <p:nvGrpSpPr>
@@ -1151,19 +1278,37 @@
           <a:p>
             <a:r>
               <a:rPr lang="en-US" dirty="0" smtClean="0"/>
-              <a:t>Very slight shift </a:t>
+              <a:t>Now, if you look at this map you’ll notice a subtle increase in the percent population of people who are obese from the year 2011 to 2016. </a:t>
+            </a:r>
+            <a:r>
+              <a:rPr lang="en-US" baseline="0" dirty="0" smtClean="0"/>
+              <a:t>If you look closely, the min value for 2011 was 55.8% and then it increased to 57.9% in 2016. While the max value in 2011 was 69.1% which grew to 71.6% in 2016</a:t>
             </a:r>
             <a:r>
               <a:rPr lang="en-US" dirty="0" smtClean="0"/>
-              <a:t>increase in obesity from</a:t>
+              <a:t> This can tell us that there is a</a:t>
             </a:r>
             <a:r>
               <a:rPr lang="en-US" baseline="0" dirty="0" smtClean="0"/>
-              <a:t> </a:t>
+              <a:t> slight percent population growth of obesity. Also, if you look below at our box and whisker plots you can find that the average percent population of obesity in 2011 was 63.1% which increased to 65.2% in 2016. Although the colors don’t show a great variance, you can see more visible increases in the states of North Dakota, South Dakota, Nebraska, and decreases in the states of Florida, Maine, and California. </a:t>
+            </a:r>
+            <a:endParaRPr lang="en-US" dirty="0" smtClean="0"/>
+          </a:p>
+          <a:p>
+            <a:endParaRPr lang="en-US" dirty="0" smtClean="0"/>
+          </a:p>
+          <a:p>
+            <a:r>
+              <a:rPr lang="en-US" dirty="0" smtClean="0"/>
+              <a:t>Very </a:t>
+            </a:r>
+            <a:r>
+              <a:rPr lang="en-US" dirty="0" smtClean="0"/>
+              <a:t>slight shift increase in obesity from</a:t>
             </a:r>
             <a:r>
               <a:rPr lang="en-US" baseline="0" dirty="0" smtClean="0"/>
-              <a:t>2011 to 2016 </a:t>
+              <a:t> 2011 to 2016 </a:t>
             </a:r>
             <a:r>
               <a:rPr lang="en-US" dirty="0" smtClean="0"/>
@@ -1173,25 +1318,12 @@
           <a:p>
             <a:r>
               <a:rPr lang="en-US" dirty="0" smtClean="0"/>
-              <a:t>Min value for 2011 is </a:t>
-            </a:r>
-            <a:r>
-              <a:rPr lang="en-US" dirty="0" smtClean="0"/>
-              <a:t>55.85 </a:t>
-            </a:r>
-            <a:r>
-              <a:rPr lang="en-US" dirty="0" smtClean="0"/>
-              <a:t>and in</a:t>
+              <a:t>Min value for 2011 is 55.85 and in</a:t>
             </a:r>
             <a:r>
               <a:rPr lang="en-US" baseline="0" dirty="0" smtClean="0"/>
-              <a:t> 2016 it’s </a:t>
-            </a:r>
-            <a:r>
-              <a:rPr lang="en-US" baseline="0" dirty="0" smtClean="0"/>
-              <a:t>57.95</a:t>
-            </a:r>
-            <a:endParaRPr lang="en-US" baseline="0" dirty="0" smtClean="0"/>
+              <a:t> 2016 it’s 57.95</a:t>
+            </a:r>
           </a:p>
           <a:p>
             <a:pPr marL="0" marR="0" indent="0" algn="l" defTabSz="457200" rtl="0" eaLnBrk="1" fontAlgn="auto" latinLnBrk="0" hangingPunct="1">
@@ -1213,23 +1345,11 @@
             </a:pPr>
             <a:r>
               <a:rPr lang="en-US" dirty="0" smtClean="0"/>
-              <a:t>Max value for 2011 is </a:t>
-            </a:r>
-            <a:r>
-              <a:rPr lang="en-US" dirty="0" smtClean="0"/>
-              <a:t>69.1% </a:t>
-            </a:r>
-            <a:r>
-              <a:rPr lang="en-US" dirty="0" smtClean="0"/>
-              <a:t>and in</a:t>
+              <a:t>Max value for 2011 is 69.1% and in</a:t>
             </a:r>
             <a:r>
               <a:rPr lang="en-US" baseline="0" dirty="0" smtClean="0"/>
-              <a:t> 2016 it’s </a:t>
-            </a:r>
-            <a:r>
-              <a:rPr lang="en-US" baseline="0" dirty="0" smtClean="0"/>
-              <a:t>71.6%</a:t>
+              <a:t> 2016 it’s 71.6%</a:t>
             </a:r>
             <a:endParaRPr lang="en-US" dirty="0" smtClean="0"/>
           </a:p>
@@ -1303,6 +1423,7 @@
           <a:p>
             <a:fld id="{12DC347B-7FAC-1B42-8207-C55C9726B358}" type="slidenum">
               <a:rPr lang="en-US" smtClean="0"/>
+              <a:pPr/>
               <a:t>4</a:t>
             </a:fld>
             <a:endParaRPr lang="en-US"/>
@@ -1312,7 +1433,7 @@
     </p:spTree>
     <p:extLst>
       <p:ext uri="{BB962C8B-B14F-4D97-AF65-F5344CB8AC3E}">
-        <p14:creationId xmlns:p14="http://schemas.microsoft.com/office/powerpoint/2010/main" val="1185656782"/>
+        <p14:creationId xmlns:p14="http://schemas.microsoft.com/office/powerpoint/2010/main" xmlns:p="http://schemas.openxmlformats.org/presentationml/2006/main" xmlns:r="http://schemas.openxmlformats.org/officeDocument/2006/relationships" xmlns:a="http://schemas.openxmlformats.org/drawingml/2006/main" xmlns="" val="1185656782"/>
       </p:ext>
     </p:extLst>
   </p:cSld>
@@ -1323,7 +1444,7 @@
 </file>
 
 <file path=ppt/notesSlides/notesSlide5.xml><?xml version="1.0" encoding="utf-8"?>
-<p:notes xmlns:a="http://schemas.openxmlformats.org/drawingml/2006/main" xmlns:r="http://schemas.openxmlformats.org/officeDocument/2006/relationships" xmlns:p="http://schemas.openxmlformats.org/presentationml/2006/main">
+<p:notes xmlns:a="http://schemas.openxmlformats.org/drawingml/2006/main" xmlns:r="http://schemas.openxmlformats.org/officeDocument/2006/relationships" xmlns:mc="http://schemas.openxmlformats.org/markup-compatibility/2006" xmlns:mv="urn:schemas-microsoft-com:mac:vml" xmlns:p="http://schemas.openxmlformats.org/presentationml/2006/main" mc:Ignorable="mv" mc:PreserveAttributes="mv:*">
   <p:cSld>
     <p:spTree>
       <p:nvGrpSpPr>
@@ -1368,21 +1489,15 @@
           <a:p>
             <a:r>
               <a:rPr lang="en-US" dirty="0" smtClean="0"/>
-              <a:t>Graph</a:t>
+              <a:t>This is a line graph with its data table</a:t>
             </a:r>
             <a:r>
               <a:rPr lang="en-US" baseline="0" dirty="0" smtClean="0"/>
-              <a:t> of highest ranked obesity and </a:t>
-            </a:r>
-            <a:r>
-              <a:rPr lang="en-US" baseline="0" dirty="0" smtClean="0"/>
-              <a:t>one lowest </a:t>
-            </a:r>
-            <a:r>
-              <a:rPr lang="en-US" baseline="0" dirty="0" smtClean="0"/>
-              <a:t>ranked state</a:t>
-            </a:r>
-            <a:endParaRPr lang="en-US" dirty="0"/>
+              <a:t> of the highest ranked states for percent population of obesity, which are Arizona, Arkansas, Mississippi, North Dakota, South Carolina, and West Virginia, and the lowest ranked state for percent population of obesity, which is Colorado over the years 2011-2016.</a:t>
+            </a:r>
+          </a:p>
+          <a:p>
+            <a:endParaRPr lang="en-US" baseline="0" dirty="0" smtClean="0"/>
           </a:p>
         </p:txBody>
       </p:sp>
@@ -1403,6 +1518,7 @@
           <a:p>
             <a:fld id="{12DC347B-7FAC-1B42-8207-C55C9726B358}" type="slidenum">
               <a:rPr lang="en-US" smtClean="0"/>
+              <a:pPr/>
               <a:t>5</a:t>
             </a:fld>
             <a:endParaRPr lang="en-US"/>
@@ -1412,7 +1528,7 @@
     </p:spTree>
     <p:extLst>
       <p:ext uri="{BB962C8B-B14F-4D97-AF65-F5344CB8AC3E}">
-        <p14:creationId xmlns:p14="http://schemas.microsoft.com/office/powerpoint/2010/main" val="1710841644"/>
+        <p14:creationId xmlns:p14="http://schemas.microsoft.com/office/powerpoint/2010/main" xmlns:p="http://schemas.openxmlformats.org/presentationml/2006/main" xmlns:r="http://schemas.openxmlformats.org/officeDocument/2006/relationships" xmlns:a="http://schemas.openxmlformats.org/drawingml/2006/main" xmlns="" val="1710841644"/>
       </p:ext>
     </p:extLst>
   </p:cSld>
@@ -1423,7 +1539,7 @@
 </file>
 
 <file path=ppt/notesSlides/notesSlide6.xml><?xml version="1.0" encoding="utf-8"?>
-<p:notes xmlns:a="http://schemas.openxmlformats.org/drawingml/2006/main" xmlns:r="http://schemas.openxmlformats.org/officeDocument/2006/relationships" xmlns:p="http://schemas.openxmlformats.org/presentationml/2006/main">
+<p:notes xmlns:a="http://schemas.openxmlformats.org/drawingml/2006/main" xmlns:r="http://schemas.openxmlformats.org/officeDocument/2006/relationships" xmlns:mc="http://schemas.openxmlformats.org/markup-compatibility/2006" xmlns:mv="urn:schemas-microsoft-com:mac:vml" xmlns:p="http://schemas.openxmlformats.org/presentationml/2006/main" mc:Ignorable="mv" mc:PreserveAttributes="mv:*">
   <p:cSld>
     <p:spTree>
       <p:nvGrpSpPr>
@@ -1468,7 +1584,28 @@
           <a:p>
             <a:r>
               <a:rPr lang="en-US" dirty="0" smtClean="0"/>
-              <a:t>&lt; Demo of Dynamic Graph&gt;</a:t>
+              <a:t>This is a dynamic graph correlating the different features against obesity</a:t>
+            </a:r>
+            <a:r>
+              <a:rPr lang="en-US" baseline="0" dirty="0" smtClean="0"/>
+              <a:t> over the year. The best correlation we found using this graph was educational attainment against obesity. But the best display using this graph was Diabetes vs. obesity and here it is….</a:t>
+            </a:r>
+            <a:r>
+              <a:rPr lang="en-US" dirty="0" smtClean="0"/>
+              <a:t>  </a:t>
+            </a:r>
+          </a:p>
+          <a:p>
+            <a:endParaRPr lang="en-US" dirty="0" smtClean="0"/>
+          </a:p>
+          <a:p>
+            <a:r>
+              <a:rPr lang="en-US" dirty="0" smtClean="0"/>
+              <a:t>&lt; </a:t>
+            </a:r>
+            <a:r>
+              <a:rPr lang="en-US" dirty="0" smtClean="0"/>
+              <a:t>Demo of Dynamic Graph&gt;</a:t>
             </a:r>
           </a:p>
           <a:p>
@@ -1542,7 +1679,6 @@
               <a:rPr lang="en-US" baseline="0" dirty="0" smtClean="0"/>
               <a:t> Diabetes (Alabama + Mississippi)</a:t>
             </a:r>
-            <a:endParaRPr lang="en-US" baseline="0" dirty="0" smtClean="0"/>
           </a:p>
         </p:txBody>
       </p:sp>
@@ -1563,6 +1699,7 @@
           <a:p>
             <a:fld id="{12DC347B-7FAC-1B42-8207-C55C9726B358}" type="slidenum">
               <a:rPr lang="en-US" smtClean="0"/>
+              <a:pPr/>
               <a:t>6</a:t>
             </a:fld>
             <a:endParaRPr lang="en-US"/>
@@ -1572,7 +1709,7 @@
     </p:spTree>
     <p:extLst>
       <p:ext uri="{BB962C8B-B14F-4D97-AF65-F5344CB8AC3E}">
-        <p14:creationId xmlns:p14="http://schemas.microsoft.com/office/powerpoint/2010/main" val="2725087898"/>
+        <p14:creationId xmlns:p14="http://schemas.microsoft.com/office/powerpoint/2010/main" xmlns:p="http://schemas.openxmlformats.org/presentationml/2006/main" xmlns:r="http://schemas.openxmlformats.org/officeDocument/2006/relationships" xmlns:a="http://schemas.openxmlformats.org/drawingml/2006/main" xmlns="" val="2725087898"/>
       </p:ext>
     </p:extLst>
   </p:cSld>
@@ -1583,7 +1720,7 @@
 </file>
 
 <file path=ppt/notesSlides/notesSlide7.xml><?xml version="1.0" encoding="utf-8"?>
-<p:notes xmlns:a="http://schemas.openxmlformats.org/drawingml/2006/main" xmlns:r="http://schemas.openxmlformats.org/officeDocument/2006/relationships" xmlns:p="http://schemas.openxmlformats.org/presentationml/2006/main">
+<p:notes xmlns:a="http://schemas.openxmlformats.org/drawingml/2006/main" xmlns:r="http://schemas.openxmlformats.org/officeDocument/2006/relationships" xmlns:mc="http://schemas.openxmlformats.org/markup-compatibility/2006" xmlns:mv="urn:schemas-microsoft-com:mac:vml" xmlns:p="http://schemas.openxmlformats.org/presentationml/2006/main" mc:Ignorable="mv" mc:PreserveAttributes="mv:*">
   <p:cSld>
     <p:spTree>
       <p:nvGrpSpPr>
@@ -1626,6 +1763,22 @@
           <a:bodyPr/>
           <a:lstStyle/>
           <a:p>
+            <a:r>
+              <a:rPr lang="en-US" dirty="0" smtClean="0"/>
+              <a:t>Now,</a:t>
+            </a:r>
+            <a:r>
+              <a:rPr lang="en-US" baseline="0" dirty="0" smtClean="0"/>
+              <a:t> w</a:t>
+            </a:r>
+            <a:r>
+              <a:rPr lang="en-US" dirty="0" smtClean="0"/>
+              <a:t>e’ve tested many linear</a:t>
+            </a:r>
+            <a:r>
+              <a:rPr lang="en-US" baseline="0" dirty="0" smtClean="0"/>
+              <a:t> regression models where we analyzed the different features against obesity to see which combination of features showed the best correlation of the growth of obesity, and this is one of them. Here we ran this model to check our assumption of whether or not the growth of fast food restaurants positively correlated with the percent population increase in obesity. But as you see here, it turns out that that is not true according to our data. It actually shows that fast food is not strongly statistically significant and it has a very small negative impact. So we decided to take that out and we ended up with our our best fit regression model which is….  </a:t>
+            </a:r>
             <a:endParaRPr lang="en-US" dirty="0"/>
           </a:p>
         </p:txBody>
@@ -1647,6 +1800,7 @@
           <a:p>
             <a:fld id="{12DC347B-7FAC-1B42-8207-C55C9726B358}" type="slidenum">
               <a:rPr lang="en-US" smtClean="0"/>
+              <a:pPr/>
               <a:t>7</a:t>
             </a:fld>
             <a:endParaRPr lang="en-US"/>
@@ -1656,7 +1810,7 @@
     </p:spTree>
     <p:extLst>
       <p:ext uri="{BB962C8B-B14F-4D97-AF65-F5344CB8AC3E}">
-        <p14:creationId xmlns:p14="http://schemas.microsoft.com/office/powerpoint/2010/main" val="3011524632"/>
+        <p14:creationId xmlns:p14="http://schemas.microsoft.com/office/powerpoint/2010/main" xmlns:p="http://schemas.openxmlformats.org/presentationml/2006/main" xmlns:r="http://schemas.openxmlformats.org/officeDocument/2006/relationships" xmlns:a="http://schemas.openxmlformats.org/drawingml/2006/main" xmlns="" val="3011524632"/>
       </p:ext>
     </p:extLst>
   </p:cSld>
@@ -1666,8 +1820,150 @@
 </p:notes>
 </file>
 
+<file path=ppt/notesSlides/notesSlide8.xml><?xml version="1.0" encoding="utf-8"?>
+<p:notes xmlns:a="http://schemas.openxmlformats.org/drawingml/2006/main" xmlns:r="http://schemas.openxmlformats.org/officeDocument/2006/relationships" xmlns:mc="http://schemas.openxmlformats.org/markup-compatibility/2006" xmlns:mv="urn:schemas-microsoft-com:mac:vml" xmlns:p="http://schemas.openxmlformats.org/presentationml/2006/main" mc:Ignorable="mv" mc:PreserveAttributes="mv:*">
+  <p:cSld>
+    <p:spTree>
+      <p:nvGrpSpPr>
+        <p:cNvPr id="1" name=""/>
+        <p:cNvGrpSpPr/>
+        <p:nvPr/>
+      </p:nvGrpSpPr>
+      <p:grpSpPr>
+        <a:xfrm>
+          <a:off x="0" y="0"/>
+          <a:ext cx="0" cy="0"/>
+          <a:chOff x="0" y="0"/>
+          <a:chExt cx="0" cy="0"/>
+        </a:xfrm>
+      </p:grpSpPr>
+      <p:sp>
+        <p:nvSpPr>
+          <p:cNvPr id="2" name="Slide Image Placeholder 1"/>
+          <p:cNvSpPr>
+            <a:spLocks noGrp="1" noRot="1" noChangeAspect="1"/>
+          </p:cNvSpPr>
+          <p:nvPr>
+            <p:ph type="sldImg"/>
+          </p:nvPr>
+        </p:nvSpPr>
+        <p:spPr/>
+      </p:sp>
+      <p:sp>
+        <p:nvSpPr>
+          <p:cNvPr id="3" name="Notes Placeholder 2"/>
+          <p:cNvSpPr>
+            <a:spLocks noGrp="1"/>
+          </p:cNvSpPr>
+          <p:nvPr>
+            <p:ph type="body" idx="1"/>
+          </p:nvPr>
+        </p:nvSpPr>
+        <p:spPr/>
+        <p:txBody>
+          <a:bodyPr>
+            <a:normAutofit/>
+          </a:bodyPr>
+          <a:lstStyle/>
+          <a:p>
+            <a:pPr marL="0" marR="0" indent="0" algn="l" defTabSz="457200" rtl="0" eaLnBrk="1" fontAlgn="auto" latinLnBrk="0" hangingPunct="1">
+              <a:lnSpc>
+                <a:spcPct val="100000"/>
+              </a:lnSpc>
+              <a:spcBef>
+                <a:spcPts val="0"/>
+              </a:spcBef>
+              <a:spcAft>
+                <a:spcPts val="0"/>
+              </a:spcAft>
+              <a:buClrTx/>
+              <a:buSzTx/>
+              <a:buFontTx/>
+              <a:buNone/>
+              <a:tabLst/>
+              <a:defRPr/>
+            </a:pPr>
+            <a:r>
+              <a:rPr lang="en-US" dirty="0" smtClean="0"/>
+              <a:t>Here, we have</a:t>
+            </a:r>
+            <a:r>
+              <a:rPr lang="en-US" baseline="0" dirty="0" smtClean="0"/>
+              <a:t> the equation where obesity is our response and inactivity, poverty, and </a:t>
+            </a:r>
+            <a:r>
+              <a:rPr lang="en-US" baseline="0" dirty="0" err="1" smtClean="0"/>
+              <a:t>chci</a:t>
+            </a:r>
+            <a:r>
+              <a:rPr lang="en-US" baseline="0" dirty="0" smtClean="0"/>
+              <a:t> are our independent variables / features. For example, we can see here that inactivity is highly statistically significant with a </a:t>
+            </a:r>
+            <a:r>
+              <a:rPr lang="en-US" baseline="0" dirty="0" err="1" smtClean="0"/>
+              <a:t>t</a:t>
+            </a:r>
+            <a:r>
+              <a:rPr lang="en-US" baseline="0" dirty="0" smtClean="0"/>
+              <a:t>-value of 6.669 and has a positive coefficient of 0.33. In other words this means inactivity has a positive impact on obesity which makes sense because if people are inactive then that means they aren’t burning a lot of calories which leads them to gaining weigh. Also, if you look at </a:t>
+            </a:r>
+            <a:r>
+              <a:rPr lang="en-US" baseline="0" dirty="0" err="1" smtClean="0"/>
+              <a:t>chchi</a:t>
+            </a:r>
+            <a:r>
+              <a:rPr lang="en-US" baseline="0" dirty="0" smtClean="0"/>
+              <a:t>, this is a highly statistically significant correlation with a </a:t>
+            </a:r>
+            <a:r>
+              <a:rPr lang="en-US" baseline="0" dirty="0" err="1" smtClean="0"/>
+              <a:t>t</a:t>
+            </a:r>
+            <a:r>
+              <a:rPr lang="en-US" baseline="0" dirty="0" smtClean="0"/>
+              <a:t>-value of 6.22 and has a negative coefficient of 0.37. So overall from the data that we gathered, this model came out to be the best in explaining obesity. </a:t>
+            </a:r>
+            <a:endParaRPr lang="en-US" dirty="0" smtClean="0"/>
+          </a:p>
+          <a:p>
+            <a:endParaRPr lang="en-US" dirty="0"/>
+          </a:p>
+        </p:txBody>
+      </p:sp>
+      <p:sp>
+        <p:nvSpPr>
+          <p:cNvPr id="4" name="Slide Number Placeholder 3"/>
+          <p:cNvSpPr>
+            <a:spLocks noGrp="1"/>
+          </p:cNvSpPr>
+          <p:nvPr>
+            <p:ph type="sldNum" sz="quarter" idx="10"/>
+          </p:nvPr>
+        </p:nvSpPr>
+        <p:spPr/>
+        <p:txBody>
+          <a:bodyPr/>
+          <a:lstStyle/>
+          <a:p>
+            <a:fld id="{12DC347B-7FAC-1B42-8207-C55C9726B358}" type="slidenum">
+              <a:rPr lang="en-US" smtClean="0"/>
+              <a:pPr/>
+              <a:t>8</a:t>
+            </a:fld>
+            <a:endParaRPr lang="en-US"/>
+          </a:p>
+        </p:txBody>
+      </p:sp>
+    </p:spTree>
+  </p:cSld>
+  <p:clrMapOvr>
+    <a:masterClrMapping/>
+  </p:clrMapOvr>
+</p:notes>
+</file>
+
 <file path=ppt/slideLayouts/slideLayout1.xml><?xml version="1.0" encoding="utf-8"?>
-<p:sldLayout xmlns:a="http://schemas.openxmlformats.org/drawingml/2006/main" xmlns:r="http://schemas.openxmlformats.org/officeDocument/2006/relationships" xmlns:p="http://schemas.openxmlformats.org/presentationml/2006/main" showMasterSp="0" type="title" preserve="1">
+<p:sldLayout xmlns:a="http://schemas.openxmlformats.org/drawingml/2006/main" xmlns:r="http://schemas.openxmlformats.org/officeDocument/2006/relationships" xmlns:mc="http://schemas.openxmlformats.org/markup-compatibility/2006" xmlns:mv="urn:schemas-microsoft-com:mac:vml" xmlns:p="http://schemas.openxmlformats.org/presentationml/2006/main" mc:Ignorable="mv" mc:PreserveAttributes="mv:*" showMasterSp="0" type="title" preserve="1">
   <p:cSld name="Title Slide">
     <p:spTree>
       <p:nvGrpSpPr>
@@ -2135,7 +2431,7 @@
             <a:fld id="{7D0065BE-0657-4A47-90AD-C21C55E16B19}" type="datetime4">
               <a:rPr lang="en-US" smtClean="0"/>
               <a:pPr/>
-              <a:t>November 3, 2018</a:t>
+              <a:t>November 4, 2018</a:t>
             </a:fld>
             <a:endParaRPr lang="en-US"/>
           </a:p>
@@ -2193,7 +2489,7 @@
 </file>
 
 <file path=ppt/slideLayouts/slideLayout10.xml><?xml version="1.0" encoding="utf-8"?>
-<p:sldLayout xmlns:a="http://schemas.openxmlformats.org/drawingml/2006/main" xmlns:r="http://schemas.openxmlformats.org/officeDocument/2006/relationships" xmlns:p="http://schemas.openxmlformats.org/presentationml/2006/main" type="vertTx" preserve="1">
+<p:sldLayout xmlns:a="http://schemas.openxmlformats.org/drawingml/2006/main" xmlns:r="http://schemas.openxmlformats.org/officeDocument/2006/relationships" xmlns:mc="http://schemas.openxmlformats.org/markup-compatibility/2006" xmlns:mv="urn:schemas-microsoft-com:mac:vml" xmlns:p="http://schemas.openxmlformats.org/presentationml/2006/main" mc:Ignorable="mv" mc:PreserveAttributes="mv:*" type="vertTx" preserve="1">
   <p:cSld name="Title and Vertical Text">
     <p:spTree>
       <p:nvGrpSpPr>
@@ -2302,7 +2598,7 @@
             <a:fld id="{A16C3AA4-67BE-44F7-809A-3582401494AF}" type="datetime4">
               <a:rPr lang="en-US" smtClean="0"/>
               <a:pPr/>
-              <a:t>November 3, 2018</a:t>
+              <a:t>November 4, 2018</a:t>
             </a:fld>
             <a:endParaRPr lang="en-US"/>
           </a:p>
@@ -2360,7 +2656,7 @@
 </file>
 
 <file path=ppt/slideLayouts/slideLayout11.xml><?xml version="1.0" encoding="utf-8"?>
-<p:sldLayout xmlns:a="http://schemas.openxmlformats.org/drawingml/2006/main" xmlns:r="http://schemas.openxmlformats.org/officeDocument/2006/relationships" xmlns:p="http://schemas.openxmlformats.org/presentationml/2006/main" type="vertTitleAndTx" preserve="1">
+<p:sldLayout xmlns:a="http://schemas.openxmlformats.org/drawingml/2006/main" xmlns:r="http://schemas.openxmlformats.org/officeDocument/2006/relationships" xmlns:mc="http://schemas.openxmlformats.org/markup-compatibility/2006" xmlns:mv="urn:schemas-microsoft-com:mac:vml" xmlns:p="http://schemas.openxmlformats.org/presentationml/2006/main" mc:Ignorable="mv" mc:PreserveAttributes="mv:*" type="vertTitleAndTx" preserve="1">
   <p:cSld name="Vertical Title and Text">
     <p:spTree>
       <p:nvGrpSpPr>
@@ -2479,7 +2775,7 @@
             <a:fld id="{25172EEB-1769-4776-AD69-E7C1260563EB}" type="datetime4">
               <a:rPr lang="en-US" smtClean="0"/>
               <a:pPr/>
-              <a:t>November 3, 2018</a:t>
+              <a:t>November 4, 2018</a:t>
             </a:fld>
             <a:endParaRPr lang="en-US"/>
           </a:p>
@@ -2537,7 +2833,7 @@
 </file>
 
 <file path=ppt/slideLayouts/slideLayout2.xml><?xml version="1.0" encoding="utf-8"?>
-<p:sldLayout xmlns:a="http://schemas.openxmlformats.org/drawingml/2006/main" xmlns:r="http://schemas.openxmlformats.org/officeDocument/2006/relationships" xmlns:p="http://schemas.openxmlformats.org/presentationml/2006/main" type="obj" preserve="1">
+<p:sldLayout xmlns:a="http://schemas.openxmlformats.org/drawingml/2006/main" xmlns:r="http://schemas.openxmlformats.org/officeDocument/2006/relationships" xmlns:mc="http://schemas.openxmlformats.org/markup-compatibility/2006" xmlns:mv="urn:schemas-microsoft-com:mac:vml" xmlns:p="http://schemas.openxmlformats.org/presentationml/2006/main" mc:Ignorable="mv" mc:PreserveAttributes="mv:*" type="obj" preserve="1">
   <p:cSld name="Title and Content">
     <p:spTree>
       <p:nvGrpSpPr>
@@ -2646,7 +2942,7 @@
             <a:fld id="{D47BB8AF-C16A-4836-A92D-61834B5F0BA5}" type="datetime4">
               <a:rPr lang="en-US" smtClean="0"/>
               <a:pPr/>
-              <a:t>November 3, 2018</a:t>
+              <a:t>November 4, 2018</a:t>
             </a:fld>
             <a:endParaRPr lang="en-US"/>
           </a:p>
@@ -2704,7 +3000,7 @@
 </file>
 
 <file path=ppt/slideLayouts/slideLayout3.xml><?xml version="1.0" encoding="utf-8"?>
-<p:sldLayout xmlns:a="http://schemas.openxmlformats.org/drawingml/2006/main" xmlns:r="http://schemas.openxmlformats.org/officeDocument/2006/relationships" xmlns:p="http://schemas.openxmlformats.org/presentationml/2006/main" showMasterSp="0" type="secHead" preserve="1">
+<p:sldLayout xmlns:a="http://schemas.openxmlformats.org/drawingml/2006/main" xmlns:r="http://schemas.openxmlformats.org/officeDocument/2006/relationships" xmlns:mc="http://schemas.openxmlformats.org/markup-compatibility/2006" xmlns:mv="urn:schemas-microsoft-com:mac:vml" xmlns:p="http://schemas.openxmlformats.org/presentationml/2006/main" mc:Ignorable="mv" mc:PreserveAttributes="mv:*" showMasterSp="0" type="secHead" preserve="1">
   <p:cSld name="Section Header">
     <p:spTree>
       <p:nvGrpSpPr>
@@ -3201,7 +3497,7 @@
             <a:fld id="{647D2193-4505-4A75-99BB-880C6989A757}" type="datetime4">
               <a:rPr lang="en-US" smtClean="0"/>
               <a:pPr/>
-              <a:t>November 3, 2018</a:t>
+              <a:t>November 4, 2018</a:t>
             </a:fld>
             <a:endParaRPr lang="en-US"/>
           </a:p>
@@ -3259,7 +3555,7 @@
 </file>
 
 <file path=ppt/slideLayouts/slideLayout4.xml><?xml version="1.0" encoding="utf-8"?>
-<p:sldLayout xmlns:a="http://schemas.openxmlformats.org/drawingml/2006/main" xmlns:r="http://schemas.openxmlformats.org/officeDocument/2006/relationships" xmlns:p="http://schemas.openxmlformats.org/presentationml/2006/main" type="twoObj" preserve="1">
+<p:sldLayout xmlns:a="http://schemas.openxmlformats.org/drawingml/2006/main" xmlns:r="http://schemas.openxmlformats.org/officeDocument/2006/relationships" xmlns:mc="http://schemas.openxmlformats.org/markup-compatibility/2006" xmlns:mv="urn:schemas-microsoft-com:mac:vml" xmlns:p="http://schemas.openxmlformats.org/presentationml/2006/main" mc:Ignorable="mv" mc:PreserveAttributes="mv:*" type="twoObj" preserve="1">
   <p:cSld name="Two Content">
     <p:spTree>
       <p:nvGrpSpPr>
@@ -3463,7 +3759,7 @@
             <a:fld id="{113A18F4-33C3-445B-924C-31108C51719C}" type="datetime4">
               <a:rPr lang="en-US" smtClean="0"/>
               <a:pPr/>
-              <a:t>November 3, 2018</a:t>
+              <a:t>November 4, 2018</a:t>
             </a:fld>
             <a:endParaRPr lang="en-US"/>
           </a:p>
@@ -3544,7 +3840,7 @@
 </file>
 
 <file path=ppt/slideLayouts/slideLayout5.xml><?xml version="1.0" encoding="utf-8"?>
-<p:sldLayout xmlns:a="http://schemas.openxmlformats.org/drawingml/2006/main" xmlns:r="http://schemas.openxmlformats.org/officeDocument/2006/relationships" xmlns:p="http://schemas.openxmlformats.org/presentationml/2006/main" type="twoTxTwoObj" preserve="1">
+<p:sldLayout xmlns:a="http://schemas.openxmlformats.org/drawingml/2006/main" xmlns:r="http://schemas.openxmlformats.org/officeDocument/2006/relationships" xmlns:mc="http://schemas.openxmlformats.org/markup-compatibility/2006" xmlns:mv="urn:schemas-microsoft-com:mac:vml" xmlns:p="http://schemas.openxmlformats.org/presentationml/2006/main" mc:Ignorable="mv" mc:PreserveAttributes="mv:*" type="twoTxTwoObj" preserve="1">
   <p:cSld name="Comparison">
     <p:spTree>
       <p:nvGrpSpPr>
@@ -3953,7 +4249,7 @@
             <a:fld id="{3AF7543A-E259-478F-9E0D-57BA40E442B7}" type="datetime4">
               <a:rPr lang="en-US" smtClean="0"/>
               <a:pPr/>
-              <a:t>November 3, 2018</a:t>
+              <a:t>November 4, 2018</a:t>
             </a:fld>
             <a:endParaRPr lang="en-US"/>
           </a:p>
@@ -4011,7 +4307,7 @@
 </file>
 
 <file path=ppt/slideLayouts/slideLayout6.xml><?xml version="1.0" encoding="utf-8"?>
-<p:sldLayout xmlns:a="http://schemas.openxmlformats.org/drawingml/2006/main" xmlns:r="http://schemas.openxmlformats.org/officeDocument/2006/relationships" xmlns:p="http://schemas.openxmlformats.org/presentationml/2006/main" type="titleOnly" preserve="1">
+<p:sldLayout xmlns:a="http://schemas.openxmlformats.org/drawingml/2006/main" xmlns:r="http://schemas.openxmlformats.org/officeDocument/2006/relationships" xmlns:mc="http://schemas.openxmlformats.org/markup-compatibility/2006" xmlns:mv="urn:schemas-microsoft-com:mac:vml" xmlns:p="http://schemas.openxmlformats.org/presentationml/2006/main" mc:Ignorable="mv" mc:PreserveAttributes="mv:*" type="titleOnly" preserve="1">
   <p:cSld name="Title Only">
     <p:spTree>
       <p:nvGrpSpPr>
@@ -4068,7 +4364,7 @@
             <a:fld id="{1EFB012D-77A1-44B0-BB26-329BA1EE55C9}" type="datetime4">
               <a:rPr lang="en-US" smtClean="0"/>
               <a:pPr/>
-              <a:t>November 3, 2018</a:t>
+              <a:t>November 4, 2018</a:t>
             </a:fld>
             <a:endParaRPr lang="en-US"/>
           </a:p>
@@ -4126,7 +4422,7 @@
 </file>
 
 <file path=ppt/slideLayouts/slideLayout7.xml><?xml version="1.0" encoding="utf-8"?>
-<p:sldLayout xmlns:a="http://schemas.openxmlformats.org/drawingml/2006/main" xmlns:r="http://schemas.openxmlformats.org/officeDocument/2006/relationships" xmlns:p="http://schemas.openxmlformats.org/presentationml/2006/main" type="blank" preserve="1">
+<p:sldLayout xmlns:a="http://schemas.openxmlformats.org/drawingml/2006/main" xmlns:r="http://schemas.openxmlformats.org/officeDocument/2006/relationships" xmlns:mc="http://schemas.openxmlformats.org/markup-compatibility/2006" xmlns:mv="urn:schemas-microsoft-com:mac:vml" xmlns:p="http://schemas.openxmlformats.org/presentationml/2006/main" mc:Ignorable="mv" mc:PreserveAttributes="mv:*" type="blank" preserve="1">
   <p:cSld name="Blank">
     <p:spTree>
       <p:nvGrpSpPr>
@@ -4160,7 +4456,7 @@
             <a:fld id="{94B7499E-3031-413E-B01E-B94970708CAA}" type="datetime4">
               <a:rPr lang="en-US" smtClean="0"/>
               <a:pPr/>
-              <a:t>November 3, 2018</a:t>
+              <a:t>November 4, 2018</a:t>
             </a:fld>
             <a:endParaRPr lang="en-US"/>
           </a:p>
@@ -4218,7 +4514,7 @@
 </file>
 
 <file path=ppt/slideLayouts/slideLayout8.xml><?xml version="1.0" encoding="utf-8"?>
-<p:sldLayout xmlns:a="http://schemas.openxmlformats.org/drawingml/2006/main" xmlns:r="http://schemas.openxmlformats.org/officeDocument/2006/relationships" xmlns:p="http://schemas.openxmlformats.org/presentationml/2006/main" showMasterSp="0" type="objTx" preserve="1">
+<p:sldLayout xmlns:a="http://schemas.openxmlformats.org/drawingml/2006/main" xmlns:r="http://schemas.openxmlformats.org/officeDocument/2006/relationships" xmlns:mc="http://schemas.openxmlformats.org/markup-compatibility/2006" xmlns:mv="urn:schemas-microsoft-com:mac:vml" xmlns:p="http://schemas.openxmlformats.org/presentationml/2006/main" mc:Ignorable="mv" mc:PreserveAttributes="mv:*" showMasterSp="0" type="objTx" preserve="1">
   <p:cSld name="Content with Caption">
     <p:spTree>
       <p:nvGrpSpPr>
@@ -4592,7 +4888,7 @@
             <a:fld id="{DC7EAB0C-2220-4D0E-A0DD-DB7FA0F742F4}" type="datetime4">
               <a:rPr lang="en-US" smtClean="0"/>
               <a:pPr/>
-              <a:t>November 3, 2018</a:t>
+              <a:t>November 4, 2018</a:t>
             </a:fld>
             <a:endParaRPr lang="en-US"/>
           </a:p>
@@ -4672,7 +4968,7 @@
 </file>
 
 <file path=ppt/slideLayouts/slideLayout9.xml><?xml version="1.0" encoding="utf-8"?>
-<p:sldLayout xmlns:a="http://schemas.openxmlformats.org/drawingml/2006/main" xmlns:r="http://schemas.openxmlformats.org/officeDocument/2006/relationships" xmlns:p="http://schemas.openxmlformats.org/presentationml/2006/main" showMasterSp="0" type="picTx" preserve="1">
+<p:sldLayout xmlns:a="http://schemas.openxmlformats.org/drawingml/2006/main" xmlns:r="http://schemas.openxmlformats.org/officeDocument/2006/relationships" xmlns:mc="http://schemas.openxmlformats.org/markup-compatibility/2006" xmlns:mv="urn:schemas-microsoft-com:mac:vml" xmlns:p="http://schemas.openxmlformats.org/presentationml/2006/main" mc:Ignorable="mv" mc:PreserveAttributes="mv:*" showMasterSp="0" type="picTx" preserve="1">
   <p:cSld name="Picture with Caption">
     <p:spTree>
       <p:nvGrpSpPr>
@@ -5127,7 +5423,7 @@
             <a:fld id="{E3416D63-31BF-4B94-B6C5-E20B2C63F515}" type="datetime4">
               <a:rPr lang="en-US" smtClean="0"/>
               <a:pPr/>
-              <a:t>November 3, 2018</a:t>
+              <a:t>November 4, 2018</a:t>
             </a:fld>
             <a:endParaRPr lang="en-US"/>
           </a:p>
@@ -5185,7 +5481,7 @@
 </file>
 
 <file path=ppt/slideMasters/slideMaster1.xml><?xml version="1.0" encoding="utf-8"?>
-<p:sldMaster xmlns:a="http://schemas.openxmlformats.org/drawingml/2006/main" xmlns:r="http://schemas.openxmlformats.org/officeDocument/2006/relationships" xmlns:p="http://schemas.openxmlformats.org/presentationml/2006/main">
+<p:sldMaster xmlns:a="http://schemas.openxmlformats.org/drawingml/2006/main" xmlns:r="http://schemas.openxmlformats.org/officeDocument/2006/relationships" xmlns:mc="http://schemas.openxmlformats.org/markup-compatibility/2006" xmlns:mv="urn:schemas-microsoft-com:mac:vml" xmlns:p="http://schemas.openxmlformats.org/presentationml/2006/main" mc:Ignorable="mv" mc:PreserveAttributes="mv:*">
   <p:cSld>
     <p:bg>
       <p:bgRef idx="1001">
@@ -5969,7 +6265,7 @@
             <a:fld id="{62B1B13E-D5AF-485E-81A1-82A140076526}" type="datetime4">
               <a:rPr lang="en-US" smtClean="0"/>
               <a:pPr/>
-              <a:t>November 3, 2018</a:t>
+              <a:t>November 4, 2018</a:t>
             </a:fld>
             <a:endParaRPr lang="en-US" dirty="0"/>
           </a:p>
@@ -6061,17 +6357,17 @@
   </p:cSld>
   <p:clrMap bg1="lt1" tx1="dk1" bg2="lt2" tx2="dk2" accent1="accent1" accent2="accent2" accent3="accent3" accent4="accent4" accent5="accent5" accent6="accent6" hlink="hlink" folHlink="folHlink"/>
   <p:sldLayoutIdLst>
-    <p:sldLayoutId id="2147483649" r:id="rId1"/>
-    <p:sldLayoutId id="2147483650" r:id="rId2"/>
-    <p:sldLayoutId id="2147483651" r:id="rId3"/>
-    <p:sldLayoutId id="2147483652" r:id="rId4"/>
-    <p:sldLayoutId id="2147483653" r:id="rId5"/>
-    <p:sldLayoutId id="2147483654" r:id="rId6"/>
-    <p:sldLayoutId id="2147483655" r:id="rId7"/>
-    <p:sldLayoutId id="2147483656" r:id="rId8"/>
-    <p:sldLayoutId id="2147483657" r:id="rId9"/>
-    <p:sldLayoutId id="2147483658" r:id="rId10"/>
-    <p:sldLayoutId id="2147483659" r:id="rId11"/>
+    <p:sldLayoutId r:id="rId1"/>
+    <p:sldLayoutId r:id="rId2"/>
+    <p:sldLayoutId r:id="rId3"/>
+    <p:sldLayoutId r:id="rId4"/>
+    <p:sldLayoutId r:id="rId5"/>
+    <p:sldLayoutId r:id="rId6"/>
+    <p:sldLayoutId r:id="rId7"/>
+    <p:sldLayoutId r:id="rId8"/>
+    <p:sldLayoutId r:id="rId9"/>
+    <p:sldLayoutId r:id="rId10"/>
+    <p:sldLayoutId r:id="rId11"/>
   </p:sldLayoutIdLst>
   <p:hf sldNum="0" hdr="0" ftr="0" dt="0"/>
   <p:txStyles>
@@ -6352,7 +6648,7 @@
 </file>
 
 <file path=ppt/slides/slide1.xml><?xml version="1.0" encoding="utf-8"?>
-<p:sld xmlns:a="http://schemas.openxmlformats.org/drawingml/2006/main" xmlns:r="http://schemas.openxmlformats.org/officeDocument/2006/relationships" xmlns:p="http://schemas.openxmlformats.org/presentationml/2006/main">
+<p:sld xmlns:a="http://schemas.openxmlformats.org/drawingml/2006/main" xmlns:r="http://schemas.openxmlformats.org/officeDocument/2006/relationships" xmlns:mc="http://schemas.openxmlformats.org/markup-compatibility/2006" xmlns:mv="urn:schemas-microsoft-com:mac:vml" xmlns:p="http://schemas.openxmlformats.org/presentationml/2006/main" mc:Ignorable="mv" mc:PreserveAttributes="mv:*">
   <p:cSld>
     <p:spTree>
       <p:nvGrpSpPr>
@@ -6417,7 +6713,7 @@
     </p:spTree>
     <p:extLst>
       <p:ext uri="{BB962C8B-B14F-4D97-AF65-F5344CB8AC3E}">
-        <p14:creationId xmlns:p14="http://schemas.microsoft.com/office/powerpoint/2010/main" val="2780185546"/>
+        <p14:creationId xmlns:p14="http://schemas.microsoft.com/office/powerpoint/2010/main" xmlns:p="http://schemas.openxmlformats.org/presentationml/2006/main" xmlns:r="http://schemas.openxmlformats.org/officeDocument/2006/relationships" xmlns:a="http://schemas.openxmlformats.org/drawingml/2006/main" xmlns="" val="2780185546"/>
       </p:ext>
     </p:extLst>
   </p:cSld>
@@ -6427,7 +6723,7 @@
   <p:timing>
     <p:tnLst>
       <p:par>
-        <p:cTn xmlns:p14="http://schemas.microsoft.com/office/powerpoint/2010/main" id="1" dur="indefinite" restart="never" nodeType="tmRoot"/>
+        <p:cTn id="1" dur="indefinite" restart="never" nodeType="tmRoot"/>
       </p:par>
     </p:tnLst>
   </p:timing>
@@ -6435,7 +6731,7 @@
 </file>
 
 <file path=ppt/slides/slide2.xml><?xml version="1.0" encoding="utf-8"?>
-<p:sld xmlns:a="http://schemas.openxmlformats.org/drawingml/2006/main" xmlns:r="http://schemas.openxmlformats.org/officeDocument/2006/relationships" xmlns:p="http://schemas.openxmlformats.org/presentationml/2006/main">
+<p:sld xmlns:a="http://schemas.openxmlformats.org/drawingml/2006/main" xmlns:r="http://schemas.openxmlformats.org/officeDocument/2006/relationships" xmlns:mc="http://schemas.openxmlformats.org/markup-compatibility/2006" xmlns:mv="urn:schemas-microsoft-com:mac:vml" xmlns:p="http://schemas.openxmlformats.org/presentationml/2006/main" mc:Ignorable="mv" mc:PreserveAttributes="mv:*">
   <p:cSld>
     <p:spTree>
       <p:nvGrpSpPr>
@@ -6501,7 +6797,7 @@
     </p:spTree>
     <p:extLst>
       <p:ext uri="{BB962C8B-B14F-4D97-AF65-F5344CB8AC3E}">
-        <p14:creationId xmlns:p14="http://schemas.microsoft.com/office/powerpoint/2010/main" val="3745450884"/>
+        <p14:creationId xmlns:p14="http://schemas.microsoft.com/office/powerpoint/2010/main" xmlns:p="http://schemas.openxmlformats.org/presentationml/2006/main" xmlns:r="http://schemas.openxmlformats.org/officeDocument/2006/relationships" xmlns:a="http://schemas.openxmlformats.org/drawingml/2006/main" xmlns="" val="3745450884"/>
       </p:ext>
     </p:extLst>
   </p:cSld>
@@ -6511,7 +6807,7 @@
   <p:timing>
     <p:tnLst>
       <p:par>
-        <p:cTn xmlns:p14="http://schemas.microsoft.com/office/powerpoint/2010/main" id="1" dur="indefinite" restart="never" nodeType="tmRoot"/>
+        <p:cTn id="1" dur="indefinite" restart="never" nodeType="tmRoot"/>
       </p:par>
     </p:tnLst>
   </p:timing>
@@ -6519,7 +6815,7 @@
 </file>
 
 <file path=ppt/slides/slide3.xml><?xml version="1.0" encoding="utf-8"?>
-<p:sld xmlns:a="http://schemas.openxmlformats.org/drawingml/2006/main" xmlns:r="http://schemas.openxmlformats.org/officeDocument/2006/relationships" xmlns:p="http://schemas.openxmlformats.org/presentationml/2006/main">
+<p:sld xmlns:a="http://schemas.openxmlformats.org/drawingml/2006/main" xmlns:r="http://schemas.openxmlformats.org/officeDocument/2006/relationships" xmlns:mc="http://schemas.openxmlformats.org/markup-compatibility/2006" xmlns:mv="urn:schemas-microsoft-com:mac:vml" xmlns:p="http://schemas.openxmlformats.org/presentationml/2006/main" mc:Ignorable="mv" mc:PreserveAttributes="mv:*">
   <p:cSld>
     <p:spTree>
       <p:nvGrpSpPr>
@@ -6681,7 +6977,7 @@
     </p:spTree>
     <p:extLst>
       <p:ext uri="{BB962C8B-B14F-4D97-AF65-F5344CB8AC3E}">
-        <p14:creationId xmlns:p14="http://schemas.microsoft.com/office/powerpoint/2010/main" val="861798335"/>
+        <p14:creationId xmlns:p14="http://schemas.microsoft.com/office/powerpoint/2010/main" xmlns:p="http://schemas.openxmlformats.org/presentationml/2006/main" xmlns:r="http://schemas.openxmlformats.org/officeDocument/2006/relationships" xmlns:a="http://schemas.openxmlformats.org/drawingml/2006/main" xmlns="" val="861798335"/>
       </p:ext>
     </p:extLst>
   </p:cSld>
@@ -6691,7 +6987,7 @@
   <p:timing>
     <p:tnLst>
       <p:par>
-        <p:cTn xmlns:p14="http://schemas.microsoft.com/office/powerpoint/2010/main" id="1" dur="indefinite" restart="never" nodeType="tmRoot"/>
+        <p:cTn id="1" dur="indefinite" restart="never" nodeType="tmRoot"/>
       </p:par>
     </p:tnLst>
   </p:timing>
@@ -6699,7 +6995,7 @@
 </file>
 
 <file path=ppt/slides/slide4.xml><?xml version="1.0" encoding="utf-8"?>
-<p:sld xmlns:a="http://schemas.openxmlformats.org/drawingml/2006/main" xmlns:r="http://schemas.openxmlformats.org/officeDocument/2006/relationships" xmlns:p="http://schemas.openxmlformats.org/presentationml/2006/main">
+<p:sld xmlns:a="http://schemas.openxmlformats.org/drawingml/2006/main" xmlns:r="http://schemas.openxmlformats.org/officeDocument/2006/relationships" xmlns:mc="http://schemas.openxmlformats.org/markup-compatibility/2006" xmlns:mv="urn:schemas-microsoft-com:mac:vml" xmlns:p="http://schemas.openxmlformats.org/presentationml/2006/main" mc:Ignorable="mv" mc:PreserveAttributes="mv:*">
   <p:cSld>
     <p:spTree>
       <p:nvGrpSpPr>
@@ -6851,7 +7147,7 @@
       </p:sp>
       <p:pic>
         <p:nvPicPr>
-          <p:cNvPr id="4" name="Picture 3"/>
+          <p:cNvPr id="8" name="Picture 7" descr="US png 2011.png"/>
           <p:cNvPicPr>
             <a:picLocks noChangeAspect="1"/>
           </p:cNvPicPr>
@@ -6865,8 +7161,8 @@
         </p:blipFill>
         <p:spPr>
           <a:xfrm>
-            <a:off x="0" y="2106782"/>
-            <a:ext cx="4602368" cy="3088511"/>
+            <a:off x="0" y="1914461"/>
+            <a:ext cx="4473373" cy="3009899"/>
           </a:xfrm>
           <a:prstGeom prst="rect">
             <a:avLst/>
@@ -6875,7 +7171,7 @@
       </p:pic>
       <p:pic>
         <p:nvPicPr>
-          <p:cNvPr id="7" name="Picture 6"/>
+          <p:cNvPr id="9" name="Picture 8" descr="US png 2016.png"/>
           <p:cNvPicPr>
             <a:picLocks noChangeAspect="1"/>
           </p:cNvPicPr>
@@ -6889,8 +7185,8 @@
         </p:blipFill>
         <p:spPr>
           <a:xfrm>
-            <a:off x="4602368" y="2185394"/>
-            <a:ext cx="4479299" cy="3009899"/>
+            <a:off x="4775200" y="1914461"/>
+            <a:ext cx="4371509" cy="2937469"/>
           </a:xfrm>
           <a:prstGeom prst="rect">
             <a:avLst/>
@@ -6900,7 +7196,7 @@
     </p:spTree>
     <p:extLst>
       <p:ext uri="{BB962C8B-B14F-4D97-AF65-F5344CB8AC3E}">
-        <p14:creationId xmlns:p14="http://schemas.microsoft.com/office/powerpoint/2010/main" val="3607366633"/>
+        <p14:creationId xmlns:p14="http://schemas.microsoft.com/office/powerpoint/2010/main" xmlns:p="http://schemas.openxmlformats.org/presentationml/2006/main" xmlns:r="http://schemas.openxmlformats.org/officeDocument/2006/relationships" xmlns:a="http://schemas.openxmlformats.org/drawingml/2006/main" xmlns="" val="3607366633"/>
       </p:ext>
     </p:extLst>
   </p:cSld>
@@ -6910,7 +7206,7 @@
   <p:timing>
     <p:tnLst>
       <p:par>
-        <p:cTn xmlns:p14="http://schemas.microsoft.com/office/powerpoint/2010/main" id="1" dur="indefinite" restart="never" nodeType="tmRoot"/>
+        <p:cTn id="1" dur="indefinite" restart="never" nodeType="tmRoot"/>
       </p:par>
     </p:tnLst>
   </p:timing>
@@ -6918,7 +7214,7 @@
 </file>
 
 <file path=ppt/slides/slide5.xml><?xml version="1.0" encoding="utf-8"?>
-<p:sld xmlns:a="http://schemas.openxmlformats.org/drawingml/2006/main" xmlns:r="http://schemas.openxmlformats.org/officeDocument/2006/relationships" xmlns:p="http://schemas.openxmlformats.org/presentationml/2006/main">
+<p:sld xmlns:a="http://schemas.openxmlformats.org/drawingml/2006/main" xmlns:r="http://schemas.openxmlformats.org/officeDocument/2006/relationships" xmlns:mc="http://schemas.openxmlformats.org/markup-compatibility/2006" xmlns:mv="urn:schemas-microsoft-com:mac:vml" xmlns:p="http://schemas.openxmlformats.org/presentationml/2006/main" mc:Ignorable="mv" mc:PreserveAttributes="mv:*">
   <p:cSld>
     <p:spTree>
       <p:nvGrpSpPr>
@@ -7020,18 +7316,25 @@
     </p:spTree>
     <p:extLst>
       <p:ext uri="{BB962C8B-B14F-4D97-AF65-F5344CB8AC3E}">
-        <p14:creationId xmlns:p14="http://schemas.microsoft.com/office/powerpoint/2010/main" val="2792692531"/>
+        <p14:creationId xmlns:p14="http://schemas.microsoft.com/office/powerpoint/2010/main" xmlns:p="http://schemas.openxmlformats.org/presentationml/2006/main" xmlns:r="http://schemas.openxmlformats.org/officeDocument/2006/relationships" xmlns:a="http://schemas.openxmlformats.org/drawingml/2006/main" xmlns="" val="2792692531"/>
       </p:ext>
     </p:extLst>
   </p:cSld>
   <p:clrMapOvr>
     <a:masterClrMapping/>
   </p:clrMapOvr>
+  <p:timing>
+    <p:tnLst>
+      <p:par>
+        <p:cTn id="1" dur="indefinite" restart="never" nodeType="tmRoot"/>
+      </p:par>
+    </p:tnLst>
+  </p:timing>
 </p:sld>
 </file>
 
 <file path=ppt/slides/slide6.xml><?xml version="1.0" encoding="utf-8"?>
-<p:sld xmlns:a="http://schemas.openxmlformats.org/drawingml/2006/main" xmlns:r="http://schemas.openxmlformats.org/officeDocument/2006/relationships" xmlns:p="http://schemas.openxmlformats.org/presentationml/2006/main">
+<p:sld xmlns:a="http://schemas.openxmlformats.org/drawingml/2006/main" xmlns:r="http://schemas.openxmlformats.org/officeDocument/2006/relationships" xmlns:mc="http://schemas.openxmlformats.org/markup-compatibility/2006" xmlns:mv="urn:schemas-microsoft-com:mac:vml" xmlns:p="http://schemas.openxmlformats.org/presentationml/2006/main" mc:Ignorable="mv" mc:PreserveAttributes="mv:*">
   <p:cSld>
     <p:spTree>
       <p:nvGrpSpPr>
@@ -7109,7 +7412,7 @@
     </p:spTree>
     <p:extLst>
       <p:ext uri="{BB962C8B-B14F-4D97-AF65-F5344CB8AC3E}">
-        <p14:creationId xmlns:p14="http://schemas.microsoft.com/office/powerpoint/2010/main" val="3624950267"/>
+        <p14:creationId xmlns:p14="http://schemas.microsoft.com/office/powerpoint/2010/main" xmlns:p="http://schemas.openxmlformats.org/presentationml/2006/main" xmlns:r="http://schemas.openxmlformats.org/officeDocument/2006/relationships" xmlns:a="http://schemas.openxmlformats.org/drawingml/2006/main" xmlns="" val="3624950267"/>
       </p:ext>
     </p:extLst>
   </p:cSld>
@@ -7119,7 +7422,7 @@
   <p:timing>
     <p:tnLst>
       <p:par>
-        <p:cTn xmlns:p14="http://schemas.microsoft.com/office/powerpoint/2010/main" id="1" dur="indefinite" restart="never" nodeType="tmRoot"/>
+        <p:cTn id="1" dur="indefinite" restart="never" nodeType="tmRoot"/>
       </p:par>
     </p:tnLst>
   </p:timing>
@@ -7127,7 +7430,7 @@
 </file>
 
 <file path=ppt/slides/slide7.xml><?xml version="1.0" encoding="utf-8"?>
-<p:sld xmlns:a="http://schemas.openxmlformats.org/drawingml/2006/main" xmlns:r="http://schemas.openxmlformats.org/officeDocument/2006/relationships" xmlns:p="http://schemas.openxmlformats.org/presentationml/2006/main">
+<p:sld xmlns:a="http://schemas.openxmlformats.org/drawingml/2006/main" xmlns:r="http://schemas.openxmlformats.org/officeDocument/2006/relationships" xmlns:mc="http://schemas.openxmlformats.org/markup-compatibility/2006" xmlns:mv="urn:schemas-microsoft-com:mac:vml" xmlns:p="http://schemas.openxmlformats.org/presentationml/2006/main" mc:Ignorable="mv" mc:PreserveAttributes="mv:*">
   <p:cSld>
     <p:spTree>
       <p:nvGrpSpPr>
@@ -7160,11 +7463,7 @@
           <a:p>
             <a:r>
               <a:rPr lang="en-US" dirty="0" smtClean="0"/>
-              <a:t>Regression </a:t>
-            </a:r>
-            <a:r>
-              <a:rPr lang="en-US" dirty="0" smtClean="0"/>
-              <a:t>Analysis 1</a:t>
+              <a:t>Alternate Regression Analysis</a:t>
             </a:r>
             <a:endParaRPr lang="en-US" dirty="0"/>
           </a:p>
@@ -7197,7 +7496,7 @@
     </p:spTree>
     <p:extLst>
       <p:ext uri="{BB962C8B-B14F-4D97-AF65-F5344CB8AC3E}">
-        <p14:creationId xmlns:p14="http://schemas.microsoft.com/office/powerpoint/2010/main" val="843285557"/>
+        <p14:creationId xmlns:p14="http://schemas.microsoft.com/office/powerpoint/2010/main" xmlns:p="http://schemas.openxmlformats.org/presentationml/2006/main" xmlns:r="http://schemas.openxmlformats.org/officeDocument/2006/relationships" xmlns:a="http://schemas.openxmlformats.org/drawingml/2006/main" xmlns="" val="843285557"/>
       </p:ext>
     </p:extLst>
   </p:cSld>
@@ -7207,7 +7506,7 @@
   <p:timing>
     <p:tnLst>
       <p:par>
-        <p:cTn xmlns:p14="http://schemas.microsoft.com/office/powerpoint/2010/main" id="1" dur="indefinite" restart="never" nodeType="tmRoot"/>
+        <p:cTn id="1" dur="indefinite" restart="never" nodeType="tmRoot"/>
       </p:par>
     </p:tnLst>
   </p:timing>
@@ -7215,7 +7514,7 @@
 </file>
 
 <file path=ppt/slides/slide8.xml><?xml version="1.0" encoding="utf-8"?>
-<p:sld xmlns:a="http://schemas.openxmlformats.org/drawingml/2006/main" xmlns:r="http://schemas.openxmlformats.org/officeDocument/2006/relationships" xmlns:p="http://schemas.openxmlformats.org/presentationml/2006/main">
+<p:sld xmlns:a="http://schemas.openxmlformats.org/drawingml/2006/main" xmlns:r="http://schemas.openxmlformats.org/officeDocument/2006/relationships" xmlns:mc="http://schemas.openxmlformats.org/markup-compatibility/2006" xmlns:mv="urn:schemas-microsoft-com:mac:vml" xmlns:p="http://schemas.openxmlformats.org/presentationml/2006/main" mc:Ignorable="mv" mc:PreserveAttributes="mv:*">
   <p:cSld>
     <p:spTree>
       <p:nvGrpSpPr>
@@ -7248,7 +7547,7 @@
           <a:p>
             <a:r>
               <a:rPr lang="en-US" dirty="0" smtClean="0"/>
-              <a:t>Regression analysis 2</a:t>
+              <a:t>Best fit regression model</a:t>
             </a:r>
             <a:endParaRPr lang="en-US" dirty="0"/>
           </a:p>
@@ -7263,7 +7562,7 @@
           <p:nvPr/>
         </p:nvPicPr>
         <p:blipFill>
-          <a:blip r:embed="rId2"/>
+          <a:blip r:embed="rId3"/>
           <a:stretch>
             <a:fillRect/>
           </a:stretch>
@@ -7281,7 +7580,7 @@
     </p:spTree>
     <p:extLst>
       <p:ext uri="{BB962C8B-B14F-4D97-AF65-F5344CB8AC3E}">
-        <p14:creationId xmlns:p14="http://schemas.microsoft.com/office/powerpoint/2010/main" val="2377558715"/>
+        <p14:creationId xmlns:p14="http://schemas.microsoft.com/office/powerpoint/2010/main" xmlns:p="http://schemas.openxmlformats.org/presentationml/2006/main" xmlns:r="http://schemas.openxmlformats.org/officeDocument/2006/relationships" xmlns:a="http://schemas.openxmlformats.org/drawingml/2006/main" xmlns="" val="2377558715"/>
       </p:ext>
     </p:extLst>
   </p:cSld>
@@ -7291,7 +7590,7 @@
   <p:timing>
     <p:tnLst>
       <p:par>
-        <p:cTn xmlns:p14="http://schemas.microsoft.com/office/powerpoint/2010/main" id="1" dur="indefinite" restart="never" nodeType="tmRoot"/>
+        <p:cTn id="1" dur="indefinite" restart="never" nodeType="tmRoot"/>
       </p:par>
     </p:tnLst>
   </p:timing>
@@ -7299,7 +7598,7 @@
 </file>
 
 <file path=ppt/slides/slide9.xml><?xml version="1.0" encoding="utf-8"?>
-<p:sld xmlns:a="http://schemas.openxmlformats.org/drawingml/2006/main" xmlns:r="http://schemas.openxmlformats.org/officeDocument/2006/relationships" xmlns:p="http://schemas.openxmlformats.org/presentationml/2006/main">
+<p:sld xmlns:a="http://schemas.openxmlformats.org/drawingml/2006/main" xmlns:r="http://schemas.openxmlformats.org/officeDocument/2006/relationships" xmlns:mc="http://schemas.openxmlformats.org/markup-compatibility/2006" xmlns:mv="urn:schemas-microsoft-com:mac:vml" xmlns:p="http://schemas.openxmlformats.org/presentationml/2006/main" mc:Ignorable="mv" mc:PreserveAttributes="mv:*">
   <p:cSld>
     <p:spTree>
       <p:nvGrpSpPr>
@@ -7341,7 +7640,7 @@
     </p:spTree>
     <p:extLst>
       <p:ext uri="{BB962C8B-B14F-4D97-AF65-F5344CB8AC3E}">
-        <p14:creationId xmlns:p14="http://schemas.microsoft.com/office/powerpoint/2010/main" val="4220388624"/>
+        <p14:creationId xmlns:p14="http://schemas.microsoft.com/office/powerpoint/2010/main" xmlns:p="http://schemas.openxmlformats.org/presentationml/2006/main" xmlns:r="http://schemas.openxmlformats.org/officeDocument/2006/relationships" xmlns:a="http://schemas.openxmlformats.org/drawingml/2006/main" xmlns="" val="4220388624"/>
       </p:ext>
     </p:extLst>
   </p:cSld>
@@ -7351,7 +7650,7 @@
   <p:timing>
     <p:tnLst>
       <p:par>
-        <p:cTn xmlns:p14="http://schemas.microsoft.com/office/powerpoint/2010/main" id="1" dur="indefinite" restart="never" nodeType="tmRoot"/>
+        <p:cTn id="1" dur="indefinite" restart="never" nodeType="tmRoot"/>
       </p:par>
     </p:tnLst>
   </p:timing>

--- a/Presentation1.pptx
+++ b/Presentation1.pptx
@@ -14,9 +14,9 @@
     <p:sldId id="258" r:id="rId5"/>
     <p:sldId id="259" r:id="rId6"/>
     <p:sldId id="261" r:id="rId7"/>
-    <p:sldId id="262" r:id="rId8"/>
-    <p:sldId id="264" r:id="rId9"/>
-    <p:sldId id="263" r:id="rId10"/>
+    <p:sldId id="264" r:id="rId8"/>
+    <p:sldId id="263" r:id="rId9"/>
+    <p:sldId id="262" r:id="rId10"/>
   </p:sldIdLst>
   <p:sldSz cx="9144000" cy="6858000" type="screen4x3"/>
   <p:notesSz cx="6858000" cy="9144000"/>
@@ -530,11 +530,11 @@
           <a:p>
             <a:r>
               <a:rPr lang="en-US" baseline="0" dirty="0" smtClean="0"/>
-              <a:t>Lori:  My name is Lori Kim </a:t>
+              <a:t>Lori:  My name is Lori </a:t>
             </a:r>
             <a:r>
               <a:rPr lang="en-US" baseline="0" dirty="0" smtClean="0"/>
-              <a:t>and</a:t>
+              <a:t>Kim</a:t>
             </a:r>
           </a:p>
           <a:p>
@@ -658,7 +658,11 @@
             </a:pPr>
             <a:r>
               <a:rPr lang="en-US" baseline="0" dirty="0" smtClean="0"/>
-              <a:t>Now what is obesity</a:t>
+              <a:t>Cindy: Now </a:t>
+            </a:r>
+            <a:r>
+              <a:rPr lang="en-US" baseline="0" dirty="0" smtClean="0"/>
+              <a:t>what is obesity</a:t>
             </a:r>
             <a:r>
               <a:rPr lang="en-US" baseline="0" dirty="0" smtClean="0"/>
@@ -685,7 +689,7 @@
             </a:pPr>
             <a:r>
               <a:rPr lang="en-US" baseline="0" dirty="0" smtClean="0"/>
-              <a:t>Well obesity is one of the classifications for weight measured by BMI. As you see on the slide, the other classifications of weight: are underweight, normal, overweight, and extremely obese.</a:t>
+              <a:t>Well obesity is one of the classifications for weight measured by BMI. As you can see on the slide, the other classifications of weight: are underweight, normal, overweight, and extremely obese.</a:t>
             </a:r>
           </a:p>
           <a:p>
@@ -1030,7 +1034,7 @@
             </a:pPr>
             <a:r>
               <a:rPr lang="en-US" sz="1800" dirty="0" smtClean="0"/>
-              <a:t>Some</a:t>
+              <a:t>Cindy: Some</a:t>
             </a:r>
             <a:r>
               <a:rPr lang="en-US" sz="1800" baseline="0" dirty="0" smtClean="0"/>
@@ -1058,7 +1062,7 @@
             </a:r>
             <a:r>
               <a:rPr lang="en-US" sz="1800" baseline="0" dirty="0" smtClean="0"/>
-              <a:t>, who were inactive, had diabetes, who exercised 300 minutes a week, and we also analyzed the average educational attainment of adults and the growth of fast food restaurants by state between the years 2011-2016. The sources for these data points came from the CDC, the United States Census Bureau, and the USDA datasets</a:t>
+              <a:t>, who were inactive, had diabetes, who exercised 300 minutes a week, and we also analyzed the average educational attainment of adults, and the growth of fast food chains by state between the years 2011-2016. The sources for these data points came from the CDC, the United States Census Bureau, and the USDA datasets. Also, we used the language of R to analyze and present our findings.</a:t>
             </a:r>
             <a:endParaRPr lang="en-US" sz="1800" dirty="0" smtClean="0"/>
           </a:p>
@@ -1278,19 +1282,11 @@
           <a:p>
             <a:r>
               <a:rPr lang="en-US" dirty="0" smtClean="0"/>
-              <a:t>Now, if you look at this map you’ll notice a subtle increase in the percent population of people who are obese from the year 2011 to 2016. </a:t>
+              <a:t>Lori: (transition) Now, if you look at this map you’ll notice a subtle increase in the percent population of people who are obese from the year 2011 to 2016. </a:t>
             </a:r>
             <a:r>
               <a:rPr lang="en-US" baseline="0" dirty="0" smtClean="0"/>
-              <a:t>If you look closely, the min value for 2011 was 55.8% and then it increased to 57.9% in 2016. While the max value in 2011 was 69.1% which grew to 71.6% in 2016</a:t>
-            </a:r>
-            <a:r>
-              <a:rPr lang="en-US" dirty="0" smtClean="0"/>
-              <a:t> This can tell us that there is a</a:t>
-            </a:r>
-            <a:r>
-              <a:rPr lang="en-US" baseline="0" dirty="0" smtClean="0"/>
-              <a:t> slight percent population growth of obesity. Also, if you look below at our box and whisker plots you can find that the average percent population of obesity in 2011 was 63.1% which increased to 65.2% in 2016. Although the colors don’t show a great variance, you can see more visible increases in the states of North Dakota, South Dakota, Nebraska, and decreases in the states of Florida, Maine, and California. </a:t>
+              <a:t>If you look closely, the min value and max value from 2011-2016 increase by 2%. Also, if you look below at our box and whisker plots you can find that the average percent population of obesity in 2011 was 63.1% which increased to 65.2% in 2016. (show the maps) Although the colors don’t show a great variance, you can see more visible increases in the states of North Dakota, South Dakota, Nebraska, and decreases in the states of Florida, Maine, and California. </a:t>
             </a:r>
             <a:endParaRPr lang="en-US" dirty="0" smtClean="0"/>
           </a:p>
@@ -1489,7 +1485,7 @@
           <a:p>
             <a:r>
               <a:rPr lang="en-US" dirty="0" smtClean="0"/>
-              <a:t>This is a line graph with its data table</a:t>
+              <a:t>Cindy: This is a line graph with its data table</a:t>
             </a:r>
             <a:r>
               <a:rPr lang="en-US" baseline="0" dirty="0" smtClean="0"/>
@@ -1584,6 +1580,14 @@
           <a:p>
             <a:r>
               <a:rPr lang="en-US" dirty="0" smtClean="0"/>
+              <a:t>Lori:</a:t>
+            </a:r>
+            <a:r>
+              <a:rPr lang="en-US" baseline="0" dirty="0" smtClean="0"/>
+              <a:t> </a:t>
+            </a:r>
+            <a:r>
+              <a:rPr lang="en-US" dirty="0" smtClean="0"/>
               <a:t>This is a dynamic graph correlating the different features against obesity</a:t>
             </a:r>
             <a:r>
@@ -1760,25 +1764,114 @@
         </p:nvSpPr>
         <p:spPr/>
         <p:txBody>
-          <a:bodyPr/>
+          <a:bodyPr>
+            <a:normAutofit/>
+          </a:bodyPr>
           <a:lstStyle/>
           <a:p>
+            <a:pPr marL="0" marR="0" indent="0" algn="l" defTabSz="457200" rtl="0" eaLnBrk="1" fontAlgn="auto" latinLnBrk="0" hangingPunct="1">
+              <a:lnSpc>
+                <a:spcPct val="100000"/>
+              </a:lnSpc>
+              <a:spcBef>
+                <a:spcPts val="0"/>
+              </a:spcBef>
+              <a:spcAft>
+                <a:spcPts val="0"/>
+              </a:spcAft>
+              <a:buClrTx/>
+              <a:buSzTx/>
+              <a:buFontTx/>
+              <a:buNone/>
+              <a:tabLst/>
+              <a:defRPr/>
+            </a:pPr>
             <a:r>
               <a:rPr lang="en-US" dirty="0" smtClean="0"/>
-              <a:t>Now,</a:t>
+              <a:t>Cindy: Finally, we have</a:t>
             </a:r>
             <a:r>
               <a:rPr lang="en-US" baseline="0" dirty="0" smtClean="0"/>
-              <a:t> w</a:t>
-            </a:r>
-            <a:r>
-              <a:rPr lang="en-US" dirty="0" smtClean="0"/>
-              <a:t>e’ve tested many linear</a:t>
+              <a:t> the model where obesity is our response and inactivity, poverty, and </a:t>
+            </a:r>
+            <a:r>
+              <a:rPr lang="en-US" baseline="0" dirty="0" err="1" smtClean="0"/>
+              <a:t>chci</a:t>
             </a:r>
             <a:r>
               <a:rPr lang="en-US" baseline="0" dirty="0" smtClean="0"/>
-              <a:t> regression models where we analyzed the different features against obesity to see which combination of features showed the best correlation of the growth of obesity, and this is one of them. Here we ran this model to check our assumption of whether or not the growth of fast food restaurants positively correlated with the percent population increase in obesity. But as you see here, it turns out that that is not true according to our data. It actually shows that fast food is not strongly statistically significant and it has a very small negative impact. So we decided to take that out and we ended up with our our best fit regression model which is….  </a:t>
-            </a:r>
+              <a:t> are our independent variables from the data that we gathered. For example, we can see here that inactivity is highly statistically significant with a </a:t>
+            </a:r>
+            <a:r>
+              <a:rPr lang="en-US" baseline="0" dirty="0" err="1" smtClean="0"/>
+              <a:t>t</a:t>
+            </a:r>
+            <a:r>
+              <a:rPr lang="en-US" baseline="0" dirty="0" smtClean="0"/>
+              <a:t>-value of 6.669 and has a positive coefficient of 0.33. In other words this means inactivity has a positive impact on obesity which makes sense because if people are inactive then that means they aren’t burning a lot of calories which leads them to gaining weight. Also, if you look at </a:t>
+            </a:r>
+            <a:r>
+              <a:rPr lang="en-US" baseline="0" dirty="0" err="1" smtClean="0"/>
+              <a:t>chchi</a:t>
+            </a:r>
+            <a:r>
+              <a:rPr lang="en-US" baseline="0" dirty="0" smtClean="0"/>
+              <a:t>, this is also a highly statistically significant correlation with a </a:t>
+            </a:r>
+            <a:r>
+              <a:rPr lang="en-US" baseline="0" dirty="0" err="1" smtClean="0"/>
+              <a:t>t</a:t>
+            </a:r>
+            <a:r>
+              <a:rPr lang="en-US" baseline="0" dirty="0" smtClean="0"/>
+              <a:t>-value of 6.22 and has a negative coefficient of 0.37 which means that educational attainment has a negative impact on obesity.</a:t>
+            </a:r>
+          </a:p>
+          <a:p>
+            <a:pPr marL="0" marR="0" indent="0" algn="l" defTabSz="457200" rtl="0" eaLnBrk="1" fontAlgn="auto" latinLnBrk="0" hangingPunct="1">
+              <a:lnSpc>
+                <a:spcPct val="100000"/>
+              </a:lnSpc>
+              <a:spcBef>
+                <a:spcPts val="0"/>
+              </a:spcBef>
+              <a:spcAft>
+                <a:spcPts val="0"/>
+              </a:spcAft>
+              <a:buClrTx/>
+              <a:buSzTx/>
+              <a:buFontTx/>
+              <a:buNone/>
+              <a:tabLst/>
+              <a:defRPr/>
+            </a:pPr>
+            <a:endParaRPr lang="en-US" baseline="0" dirty="0" smtClean="0"/>
+          </a:p>
+          <a:p>
+            <a:pPr marL="0" marR="0" indent="0" algn="l" defTabSz="457200" rtl="0" eaLnBrk="1" fontAlgn="auto" latinLnBrk="0" hangingPunct="1">
+              <a:lnSpc>
+                <a:spcPct val="100000"/>
+              </a:lnSpc>
+              <a:spcBef>
+                <a:spcPts val="0"/>
+              </a:spcBef>
+              <a:spcAft>
+                <a:spcPts val="0"/>
+              </a:spcAft>
+              <a:buClrTx/>
+              <a:buSzTx/>
+              <a:buFontTx/>
+              <a:buNone/>
+              <a:tabLst/>
+              <a:defRPr/>
+            </a:pPr>
+            <a:r>
+              <a:rPr lang="en-US" baseline="0" dirty="0" smtClean="0"/>
+              <a:t>(transition) And so this is the presentation of what we found using the material from our program and from the government data libraries. </a:t>
+            </a:r>
+            <a:endParaRPr lang="en-US" dirty="0" smtClean="0"/>
+          </a:p>
+          <a:p>
             <a:endParaRPr lang="en-US" dirty="0"/>
           </a:p>
         </p:txBody>
@@ -1808,11 +1901,6 @@
         </p:txBody>
       </p:sp>
     </p:spTree>
-    <p:extLst>
-      <p:ext uri="{BB962C8B-B14F-4D97-AF65-F5344CB8AC3E}">
-        <p14:creationId xmlns:p14="http://schemas.microsoft.com/office/powerpoint/2010/main" xmlns:p="http://schemas.openxmlformats.org/presentationml/2006/main" xmlns:r="http://schemas.openxmlformats.org/officeDocument/2006/relationships" xmlns:a="http://schemas.openxmlformats.org/drawingml/2006/main" xmlns="" val="3011524632"/>
-      </p:ext>
-    </p:extLst>
   </p:cSld>
   <p:clrMapOvr>
     <a:masterClrMapping/>
@@ -1861,100 +1949,59 @@
         </p:nvSpPr>
         <p:spPr/>
         <p:txBody>
-          <a:bodyPr>
-            <a:normAutofit/>
-          </a:bodyPr>
-          <a:lstStyle/>
-          <a:p>
-            <a:pPr marL="0" marR="0" indent="0" algn="l" defTabSz="457200" rtl="0" eaLnBrk="1" fontAlgn="auto" latinLnBrk="0" hangingPunct="1">
-              <a:lnSpc>
-                <a:spcPct val="100000"/>
-              </a:lnSpc>
-              <a:spcBef>
-                <a:spcPts val="0"/>
-              </a:spcBef>
-              <a:spcAft>
-                <a:spcPts val="0"/>
-              </a:spcAft>
-              <a:buClrTx/>
-              <a:buSzTx/>
-              <a:buFontTx/>
-              <a:buNone/>
-              <a:tabLst/>
-              <a:defRPr/>
-            </a:pPr>
-            <a:r>
-              <a:rPr lang="en-US" dirty="0" smtClean="0"/>
-              <a:t>Here, we have</a:t>
-            </a:r>
-            <a:r>
-              <a:rPr lang="en-US" baseline="0" dirty="0" smtClean="0"/>
-              <a:t> the equation where obesity is our response and inactivity, poverty, and </a:t>
-            </a:r>
-            <a:r>
-              <a:rPr lang="en-US" baseline="0" dirty="0" err="1" smtClean="0"/>
-              <a:t>chci</a:t>
-            </a:r>
-            <a:r>
-              <a:rPr lang="en-US" baseline="0" dirty="0" smtClean="0"/>
-              <a:t> are our independent variables / features. For example, we can see here that inactivity is highly statistically significant with a </a:t>
-            </a:r>
-            <a:r>
-              <a:rPr lang="en-US" baseline="0" dirty="0" err="1" smtClean="0"/>
-              <a:t>t</a:t>
-            </a:r>
-            <a:r>
-              <a:rPr lang="en-US" baseline="0" dirty="0" smtClean="0"/>
-              <a:t>-value of 6.669 and has a positive coefficient of 0.33. In other words this means inactivity has a positive impact on obesity which makes sense because if people are inactive then that means they aren’t burning a lot of calories which leads them to gaining weigh. Also, if you look at </a:t>
-            </a:r>
-            <a:r>
-              <a:rPr lang="en-US" baseline="0" dirty="0" err="1" smtClean="0"/>
-              <a:t>chchi</a:t>
-            </a:r>
-            <a:r>
-              <a:rPr lang="en-US" baseline="0" dirty="0" smtClean="0"/>
-              <a:t>, this is a highly statistically significant correlation with a </a:t>
-            </a:r>
-            <a:r>
-              <a:rPr lang="en-US" baseline="0" dirty="0" err="1" smtClean="0"/>
-              <a:t>t</a:t>
-            </a:r>
-            <a:r>
-              <a:rPr lang="en-US" baseline="0" dirty="0" smtClean="0"/>
-              <a:t>-value of 6.22 and has a negative coefficient of 0.37. So overall from the data that we gathered, this model came out to be the best in explaining obesity. </a:t>
-            </a:r>
-            <a:endParaRPr lang="en-US" dirty="0" smtClean="0"/>
-          </a:p>
-          <a:p>
-            <a:endParaRPr lang="en-US" dirty="0"/>
-          </a:p>
-        </p:txBody>
-      </p:sp>
-      <p:sp>
-        <p:nvSpPr>
-          <p:cNvPr id="4" name="Slide Number Placeholder 3"/>
-          <p:cNvSpPr>
-            <a:spLocks noGrp="1"/>
-          </p:cNvSpPr>
-          <p:nvPr>
-            <p:ph type="sldNum" sz="quarter" idx="10"/>
-          </p:nvPr>
-        </p:nvSpPr>
-        <p:spPr/>
-        <p:txBody>
           <a:bodyPr/>
           <a:lstStyle/>
           <a:p>
+            <a:r>
+              <a:rPr lang="en-US" dirty="0" smtClean="0"/>
+              <a:t>Now,</a:t>
+            </a:r>
+            <a:r>
+              <a:rPr lang="en-US" baseline="0" dirty="0" smtClean="0"/>
+              <a:t> w</a:t>
+            </a:r>
+            <a:r>
+              <a:rPr lang="en-US" dirty="0" smtClean="0"/>
+              <a:t>e’ve tested many linear</a:t>
+            </a:r>
+            <a:r>
+              <a:rPr lang="en-US" baseline="0" dirty="0" smtClean="0"/>
+              <a:t> regression models where we analyzed the different features against obesity to see which combination of features showed the best correlation of the growth of obesity, and this is one of them. Here we ran this model to check our assumption of whether or not the growth of fast food restaurants positively correlated with the percent population increase in obesity. But as you see here, it turns out that that is not true according to our data. It actually shows that fast food is not strongly statistically significant and it has a very small negative impact. So we decided to take that out and we ended up with our our best fit regression model which is….  </a:t>
+            </a:r>
+            <a:endParaRPr lang="en-US" dirty="0"/>
+          </a:p>
+        </p:txBody>
+      </p:sp>
+      <p:sp>
+        <p:nvSpPr>
+          <p:cNvPr id="4" name="Slide Number Placeholder 3"/>
+          <p:cNvSpPr>
+            <a:spLocks noGrp="1"/>
+          </p:cNvSpPr>
+          <p:nvPr>
+            <p:ph type="sldNum" sz="quarter" idx="10"/>
+          </p:nvPr>
+        </p:nvSpPr>
+        <p:spPr/>
+        <p:txBody>
+          <a:bodyPr/>
+          <a:lstStyle/>
+          <a:p>
             <a:fld id="{12DC347B-7FAC-1B42-8207-C55C9726B358}" type="slidenum">
               <a:rPr lang="en-US" smtClean="0"/>
               <a:pPr/>
-              <a:t>8</a:t>
+              <a:t>9</a:t>
             </a:fld>
             <a:endParaRPr lang="en-US"/>
           </a:p>
         </p:txBody>
       </p:sp>
     </p:spTree>
+    <p:extLst>
+      <p:ext uri="{BB962C8B-B14F-4D97-AF65-F5344CB8AC3E}">
+        <p14:creationId xmlns:p14="http://schemas.microsoft.com/office/powerpoint/2010/main" xmlns:p="http://schemas.openxmlformats.org/presentationml/2006/main" xmlns:r="http://schemas.openxmlformats.org/officeDocument/2006/relationships" xmlns:a="http://schemas.openxmlformats.org/drawingml/2006/main" xmlns="" val="3011524632"/>
+      </p:ext>
+    </p:extLst>
   </p:cSld>
   <p:clrMapOvr>
     <a:masterClrMapping/>
@@ -7463,90 +7510,6 @@
           <a:p>
             <a:r>
               <a:rPr lang="en-US" dirty="0" smtClean="0"/>
-              <a:t>Alternate Regression Analysis</a:t>
-            </a:r>
-            <a:endParaRPr lang="en-US" dirty="0"/>
-          </a:p>
-        </p:txBody>
-      </p:sp>
-      <p:pic>
-        <p:nvPicPr>
-          <p:cNvPr id="9" name="Picture 8"/>
-          <p:cNvPicPr>
-            <a:picLocks noChangeAspect="1"/>
-          </p:cNvPicPr>
-          <p:nvPr/>
-        </p:nvPicPr>
-        <p:blipFill>
-          <a:blip r:embed="rId3"/>
-          <a:stretch>
-            <a:fillRect/>
-          </a:stretch>
-        </p:blipFill>
-        <p:spPr>
-          <a:xfrm>
-            <a:off x="1104900" y="1111827"/>
-            <a:ext cx="6921500" cy="5499100"/>
-          </a:xfrm>
-          <a:prstGeom prst="rect">
-            <a:avLst/>
-          </a:prstGeom>
-        </p:spPr>
-      </p:pic>
-    </p:spTree>
-    <p:extLst>
-      <p:ext uri="{BB962C8B-B14F-4D97-AF65-F5344CB8AC3E}">
-        <p14:creationId xmlns:p14="http://schemas.microsoft.com/office/powerpoint/2010/main" xmlns:p="http://schemas.openxmlformats.org/presentationml/2006/main" xmlns:r="http://schemas.openxmlformats.org/officeDocument/2006/relationships" xmlns:a="http://schemas.openxmlformats.org/drawingml/2006/main" xmlns="" val="843285557"/>
-      </p:ext>
-    </p:extLst>
-  </p:cSld>
-  <p:clrMapOvr>
-    <a:masterClrMapping/>
-  </p:clrMapOvr>
-  <p:timing>
-    <p:tnLst>
-      <p:par>
-        <p:cTn id="1" dur="indefinite" restart="never" nodeType="tmRoot"/>
-      </p:par>
-    </p:tnLst>
-  </p:timing>
-</p:sld>
-</file>
-
-<file path=ppt/slides/slide8.xml><?xml version="1.0" encoding="utf-8"?>
-<p:sld xmlns:a="http://schemas.openxmlformats.org/drawingml/2006/main" xmlns:r="http://schemas.openxmlformats.org/officeDocument/2006/relationships" xmlns:mc="http://schemas.openxmlformats.org/markup-compatibility/2006" xmlns:mv="urn:schemas-microsoft-com:mac:vml" xmlns:p="http://schemas.openxmlformats.org/presentationml/2006/main" mc:Ignorable="mv" mc:PreserveAttributes="mv:*">
-  <p:cSld>
-    <p:spTree>
-      <p:nvGrpSpPr>
-        <p:cNvPr id="1" name=""/>
-        <p:cNvGrpSpPr/>
-        <p:nvPr/>
-      </p:nvGrpSpPr>
-      <p:grpSpPr>
-        <a:xfrm>
-          <a:off x="0" y="0"/>
-          <a:ext cx="0" cy="0"/>
-          <a:chOff x="0" y="0"/>
-          <a:chExt cx="0" cy="0"/>
-        </a:xfrm>
-      </p:grpSpPr>
-      <p:sp>
-        <p:nvSpPr>
-          <p:cNvPr id="2" name="Title 1"/>
-          <p:cNvSpPr>
-            <a:spLocks noGrp="1"/>
-          </p:cNvSpPr>
-          <p:nvPr>
-            <p:ph type="title"/>
-          </p:nvPr>
-        </p:nvSpPr>
-        <p:spPr/>
-        <p:txBody>
-          <a:bodyPr/>
-          <a:lstStyle/>
-          <a:p>
-            <a:r>
-              <a:rPr lang="en-US" dirty="0" smtClean="0"/>
               <a:t>Best fit regression model</a:t>
             </a:r>
             <a:endParaRPr lang="en-US" dirty="0"/>
@@ -7597,6 +7560,66 @@
 </p:sld>
 </file>
 
+<file path=ppt/slides/slide8.xml><?xml version="1.0" encoding="utf-8"?>
+<p:sld xmlns:a="http://schemas.openxmlformats.org/drawingml/2006/main" xmlns:r="http://schemas.openxmlformats.org/officeDocument/2006/relationships" xmlns:mc="http://schemas.openxmlformats.org/markup-compatibility/2006" xmlns:mv="urn:schemas-microsoft-com:mac:vml" xmlns:p="http://schemas.openxmlformats.org/presentationml/2006/main" mc:Ignorable="mv" mc:PreserveAttributes="mv:*">
+  <p:cSld>
+    <p:spTree>
+      <p:nvGrpSpPr>
+        <p:cNvPr id="1" name=""/>
+        <p:cNvGrpSpPr/>
+        <p:nvPr/>
+      </p:nvGrpSpPr>
+      <p:grpSpPr>
+        <a:xfrm>
+          <a:off x="0" y="0"/>
+          <a:ext cx="0" cy="0"/>
+          <a:chOff x="0" y="0"/>
+          <a:chExt cx="0" cy="0"/>
+        </a:xfrm>
+      </p:grpSpPr>
+      <p:sp>
+        <p:nvSpPr>
+          <p:cNvPr id="2" name="Title 1"/>
+          <p:cNvSpPr>
+            <a:spLocks noGrp="1"/>
+          </p:cNvSpPr>
+          <p:nvPr>
+            <p:ph type="ctrTitle"/>
+          </p:nvPr>
+        </p:nvSpPr>
+        <p:spPr/>
+        <p:txBody>
+          <a:bodyPr/>
+          <a:lstStyle/>
+          <a:p>
+            <a:r>
+              <a:rPr lang="en-US" dirty="0" smtClean="0"/>
+              <a:t>The end</a:t>
+            </a:r>
+            <a:endParaRPr lang="en-US" dirty="0"/>
+          </a:p>
+        </p:txBody>
+      </p:sp>
+    </p:spTree>
+    <p:extLst>
+      <p:ext uri="{BB962C8B-B14F-4D97-AF65-F5344CB8AC3E}">
+        <p14:creationId xmlns:p14="http://schemas.microsoft.com/office/powerpoint/2010/main" xmlns:p="http://schemas.openxmlformats.org/presentationml/2006/main" xmlns:r="http://schemas.openxmlformats.org/officeDocument/2006/relationships" xmlns:a="http://schemas.openxmlformats.org/drawingml/2006/main" xmlns="" val="4220388624"/>
+      </p:ext>
+    </p:extLst>
+  </p:cSld>
+  <p:clrMapOvr>
+    <a:masterClrMapping/>
+  </p:clrMapOvr>
+  <p:timing>
+    <p:tnLst>
+      <p:par>
+        <p:cTn id="1" dur="indefinite" restart="never" nodeType="tmRoot"/>
+      </p:par>
+    </p:tnLst>
+  </p:timing>
+</p:sld>
+</file>
+
 <file path=ppt/slides/slide9.xml><?xml version="1.0" encoding="utf-8"?>
 <p:sld xmlns:a="http://schemas.openxmlformats.org/drawingml/2006/main" xmlns:r="http://schemas.openxmlformats.org/officeDocument/2006/relationships" xmlns:mc="http://schemas.openxmlformats.org/markup-compatibility/2006" xmlns:mv="urn:schemas-microsoft-com:mac:vml" xmlns:p="http://schemas.openxmlformats.org/presentationml/2006/main" mc:Ignorable="mv" mc:PreserveAttributes="mv:*">
   <p:cSld>
@@ -7621,7 +7644,7 @@
             <a:spLocks noGrp="1"/>
           </p:cNvSpPr>
           <p:nvPr>
-            <p:ph type="ctrTitle"/>
+            <p:ph type="title"/>
           </p:nvPr>
         </p:nvSpPr>
         <p:spPr/>
@@ -7631,16 +7654,40 @@
           <a:p>
             <a:r>
               <a:rPr lang="en-US" dirty="0" smtClean="0"/>
-              <a:t>The end</a:t>
+              <a:t>Alternate Regression Analysis</a:t>
             </a:r>
             <a:endParaRPr lang="en-US" dirty="0"/>
           </a:p>
         </p:txBody>
       </p:sp>
+      <p:pic>
+        <p:nvPicPr>
+          <p:cNvPr id="9" name="Picture 8"/>
+          <p:cNvPicPr>
+            <a:picLocks noChangeAspect="1"/>
+          </p:cNvPicPr>
+          <p:nvPr/>
+        </p:nvPicPr>
+        <p:blipFill>
+          <a:blip r:embed="rId3"/>
+          <a:stretch>
+            <a:fillRect/>
+          </a:stretch>
+        </p:blipFill>
+        <p:spPr>
+          <a:xfrm>
+            <a:off x="1104900" y="1111827"/>
+            <a:ext cx="6921500" cy="5499100"/>
+          </a:xfrm>
+          <a:prstGeom prst="rect">
+            <a:avLst/>
+          </a:prstGeom>
+        </p:spPr>
+      </p:pic>
     </p:spTree>
     <p:extLst>
       <p:ext uri="{BB962C8B-B14F-4D97-AF65-F5344CB8AC3E}">
-        <p14:creationId xmlns:p14="http://schemas.microsoft.com/office/powerpoint/2010/main" xmlns:p="http://schemas.openxmlformats.org/presentationml/2006/main" xmlns:r="http://schemas.openxmlformats.org/officeDocument/2006/relationships" xmlns:a="http://schemas.openxmlformats.org/drawingml/2006/main" xmlns="" val="4220388624"/>
+        <p14:creationId xmlns:p14="http://schemas.microsoft.com/office/powerpoint/2010/main" xmlns:p="http://schemas.openxmlformats.org/presentationml/2006/main" xmlns:r="http://schemas.openxmlformats.org/officeDocument/2006/relationships" xmlns:a="http://schemas.openxmlformats.org/drawingml/2006/main" xmlns="" val="843285557"/>
       </p:ext>
     </p:extLst>
   </p:cSld>
